--- a/doc/HTTP & Restful.pptx
+++ b/doc/HTTP & Restful.pptx
@@ -5,12 +5,15 @@
     <p:sldMasterId id="2147483648" r:id="rId1"/>
   </p:sldMasterIdLst>
   <p:notesMasterIdLst>
-    <p:notesMasterId r:id="rId5"/>
+    <p:notesMasterId r:id="rId8"/>
   </p:notesMasterIdLst>
   <p:sldIdLst>
     <p:sldId id="256" r:id="rId2"/>
     <p:sldId id="258" r:id="rId3"/>
-    <p:sldId id="259" r:id="rId4"/>
+    <p:sldId id="261" r:id="rId4"/>
+    <p:sldId id="262" r:id="rId5"/>
+    <p:sldId id="260" r:id="rId6"/>
+    <p:sldId id="259" r:id="rId7"/>
   </p:sldIdLst>
   <p:sldSz cx="9144000" cy="6858000" type="screen4x3"/>
   <p:notesSz cx="6858000" cy="9144000"/>
@@ -194,7 +197,7 @@
           <a:p>
             <a:fld id="{B86859C3-2692-784F-AC34-40A9E7B69405}" type="datetimeFigureOut">
               <a:rPr kumimoji="1" lang="zh-CN" altLang="en-US" smtClean="0"/>
-              <a:t>17/2/20</a:t>
+              <a:t>17/2/21</a:t>
             </a:fld>
             <a:endParaRPr kumimoji="1" lang="zh-CN" altLang="en-US"/>
           </a:p>
@@ -462,6 +465,727 @@
 </p:notesMaster>
 </file>
 
+<file path=ppt/notesSlides/notesSlide1.xml><?xml version="1.0" encoding="utf-8"?>
+<p:notes xmlns:a="http://schemas.openxmlformats.org/drawingml/2006/main" xmlns:r="http://schemas.openxmlformats.org/officeDocument/2006/relationships" xmlns:p="http://schemas.openxmlformats.org/presentationml/2006/main">
+  <p:cSld>
+    <p:spTree>
+      <p:nvGrpSpPr>
+        <p:cNvPr id="1" name=""/>
+        <p:cNvGrpSpPr/>
+        <p:nvPr/>
+      </p:nvGrpSpPr>
+      <p:grpSpPr>
+        <a:xfrm>
+          <a:off x="0" y="0"/>
+          <a:ext cx="0" cy="0"/>
+          <a:chOff x="0" y="0"/>
+          <a:chExt cx="0" cy="0"/>
+        </a:xfrm>
+      </p:grpSpPr>
+      <p:sp>
+        <p:nvSpPr>
+          <p:cNvPr id="2" name="幻灯片图像占位符 1"/>
+          <p:cNvSpPr>
+            <a:spLocks noGrp="1" noRot="1" noChangeAspect="1"/>
+          </p:cNvSpPr>
+          <p:nvPr>
+            <p:ph type="sldImg"/>
+          </p:nvPr>
+        </p:nvSpPr>
+        <p:spPr/>
+      </p:sp>
+      <p:sp>
+        <p:nvSpPr>
+          <p:cNvPr id="3" name="备注占位符 2"/>
+          <p:cNvSpPr>
+            <a:spLocks noGrp="1"/>
+          </p:cNvSpPr>
+          <p:nvPr>
+            <p:ph type="body" idx="1"/>
+          </p:nvPr>
+        </p:nvSpPr>
+        <p:spPr/>
+        <p:txBody>
+          <a:bodyPr/>
+          <a:lstStyle/>
+          <a:p>
+            <a:endParaRPr kumimoji="1" lang="zh-CN" altLang="en-US" dirty="0"/>
+          </a:p>
+        </p:txBody>
+      </p:sp>
+      <p:sp>
+        <p:nvSpPr>
+          <p:cNvPr id="4" name="幻灯片编号占位符 3"/>
+          <p:cNvSpPr>
+            <a:spLocks noGrp="1"/>
+          </p:cNvSpPr>
+          <p:nvPr>
+            <p:ph type="sldNum" sz="quarter" idx="10"/>
+          </p:nvPr>
+        </p:nvSpPr>
+        <p:spPr/>
+        <p:txBody>
+          <a:bodyPr/>
+          <a:lstStyle/>
+          <a:p>
+            <a:fld id="{30E5BD0C-2667-BA41-90C5-58CB9DE5FD83}" type="slidenum">
+              <a:rPr kumimoji="1" lang="zh-CN" altLang="en-US" smtClean="0"/>
+              <a:t>1</a:t>
+            </a:fld>
+            <a:endParaRPr kumimoji="1" lang="zh-CN" altLang="en-US"/>
+          </a:p>
+        </p:txBody>
+      </p:sp>
+    </p:spTree>
+    <p:extLst>
+      <p:ext uri="{BB962C8B-B14F-4D97-AF65-F5344CB8AC3E}">
+        <p14:creationId xmlns:p14="http://schemas.microsoft.com/office/powerpoint/2010/main" val="971895724"/>
+      </p:ext>
+    </p:extLst>
+  </p:cSld>
+  <p:clrMapOvr>
+    <a:masterClrMapping/>
+  </p:clrMapOvr>
+</p:notes>
+</file>
+
+<file path=ppt/notesSlides/notesSlide2.xml><?xml version="1.0" encoding="utf-8"?>
+<p:notes xmlns:a="http://schemas.openxmlformats.org/drawingml/2006/main" xmlns:r="http://schemas.openxmlformats.org/officeDocument/2006/relationships" xmlns:p="http://schemas.openxmlformats.org/presentationml/2006/main">
+  <p:cSld>
+    <p:spTree>
+      <p:nvGrpSpPr>
+        <p:cNvPr id="1" name=""/>
+        <p:cNvGrpSpPr/>
+        <p:nvPr/>
+      </p:nvGrpSpPr>
+      <p:grpSpPr>
+        <a:xfrm>
+          <a:off x="0" y="0"/>
+          <a:ext cx="0" cy="0"/>
+          <a:chOff x="0" y="0"/>
+          <a:chExt cx="0" cy="0"/>
+        </a:xfrm>
+      </p:grpSpPr>
+      <p:sp>
+        <p:nvSpPr>
+          <p:cNvPr id="2" name="幻灯片图像占位符 1"/>
+          <p:cNvSpPr>
+            <a:spLocks noGrp="1" noRot="1" noChangeAspect="1"/>
+          </p:cNvSpPr>
+          <p:nvPr>
+            <p:ph type="sldImg"/>
+          </p:nvPr>
+        </p:nvSpPr>
+        <p:spPr/>
+      </p:sp>
+      <p:sp>
+        <p:nvSpPr>
+          <p:cNvPr id="3" name="备注占位符 2"/>
+          <p:cNvSpPr>
+            <a:spLocks noGrp="1"/>
+          </p:cNvSpPr>
+          <p:nvPr>
+            <p:ph type="body" idx="1"/>
+          </p:nvPr>
+        </p:nvSpPr>
+        <p:spPr/>
+        <p:txBody>
+          <a:bodyPr/>
+          <a:lstStyle/>
+          <a:p>
+            <a:endParaRPr kumimoji="1" lang="zh-CN" altLang="en-US" dirty="0"/>
+          </a:p>
+        </p:txBody>
+      </p:sp>
+      <p:sp>
+        <p:nvSpPr>
+          <p:cNvPr id="4" name="幻灯片编号占位符 3"/>
+          <p:cNvSpPr>
+            <a:spLocks noGrp="1"/>
+          </p:cNvSpPr>
+          <p:nvPr>
+            <p:ph type="sldNum" sz="quarter" idx="10"/>
+          </p:nvPr>
+        </p:nvSpPr>
+        <p:spPr/>
+        <p:txBody>
+          <a:bodyPr/>
+          <a:lstStyle/>
+          <a:p>
+            <a:fld id="{30E5BD0C-2667-BA41-90C5-58CB9DE5FD83}" type="slidenum">
+              <a:rPr kumimoji="1" lang="zh-CN" altLang="en-US" smtClean="0"/>
+              <a:t>2</a:t>
+            </a:fld>
+            <a:endParaRPr kumimoji="1" lang="zh-CN" altLang="en-US"/>
+          </a:p>
+        </p:txBody>
+      </p:sp>
+    </p:spTree>
+    <p:extLst>
+      <p:ext uri="{BB962C8B-B14F-4D97-AF65-F5344CB8AC3E}">
+        <p14:creationId xmlns:p14="http://schemas.microsoft.com/office/powerpoint/2010/main" val="3421287220"/>
+      </p:ext>
+    </p:extLst>
+  </p:cSld>
+  <p:clrMapOvr>
+    <a:masterClrMapping/>
+  </p:clrMapOvr>
+</p:notes>
+</file>
+
+<file path=ppt/notesSlides/notesSlide3.xml><?xml version="1.0" encoding="utf-8"?>
+<p:notes xmlns:a="http://schemas.openxmlformats.org/drawingml/2006/main" xmlns:r="http://schemas.openxmlformats.org/officeDocument/2006/relationships" xmlns:p="http://schemas.openxmlformats.org/presentationml/2006/main">
+  <p:cSld>
+    <p:spTree>
+      <p:nvGrpSpPr>
+        <p:cNvPr id="1" name=""/>
+        <p:cNvGrpSpPr/>
+        <p:nvPr/>
+      </p:nvGrpSpPr>
+      <p:grpSpPr>
+        <a:xfrm>
+          <a:off x="0" y="0"/>
+          <a:ext cx="0" cy="0"/>
+          <a:chOff x="0" y="0"/>
+          <a:chExt cx="0" cy="0"/>
+        </a:xfrm>
+      </p:grpSpPr>
+      <p:sp>
+        <p:nvSpPr>
+          <p:cNvPr id="2" name="幻灯片图像占位符 1"/>
+          <p:cNvSpPr>
+            <a:spLocks noGrp="1" noRot="1" noChangeAspect="1"/>
+          </p:cNvSpPr>
+          <p:nvPr>
+            <p:ph type="sldImg"/>
+          </p:nvPr>
+        </p:nvSpPr>
+        <p:spPr/>
+      </p:sp>
+      <p:sp>
+        <p:nvSpPr>
+          <p:cNvPr id="3" name="备注占位符 2"/>
+          <p:cNvSpPr>
+            <a:spLocks noGrp="1"/>
+          </p:cNvSpPr>
+          <p:nvPr>
+            <p:ph type="body" idx="1"/>
+          </p:nvPr>
+        </p:nvSpPr>
+        <p:spPr/>
+        <p:txBody>
+          <a:bodyPr/>
+          <a:lstStyle/>
+          <a:p>
+            <a:r>
+              <a:rPr kumimoji="1" lang="en-US" altLang="zh-CN" dirty="0" smtClean="0"/>
+              <a:t>"</a:t>
+            </a:r>
+            <a:r>
+              <a:rPr kumimoji="1" lang="zh-CN" altLang="en-US" dirty="0" smtClean="0"/>
+              <a:t>私人资源</a:t>
+            </a:r>
+            <a:r>
+              <a:rPr kumimoji="1" lang="en-US" altLang="zh-CN" dirty="0" smtClean="0"/>
+              <a:t>"</a:t>
+            </a:r>
+            <a:r>
+              <a:rPr kumimoji="1" lang="zh-CN" altLang="en-US" dirty="0" smtClean="0"/>
+              <a:t>：是属于某一个用户所有的资源，只有用户本人才能操作，其他用户不能操作。例如用户的个人信息、订单、收货地址等等。</a:t>
+            </a:r>
+          </a:p>
+          <a:p>
+            <a:r>
+              <a:rPr kumimoji="1" lang="en-US" altLang="zh-CN" dirty="0" smtClean="0"/>
+              <a:t>"</a:t>
+            </a:r>
+            <a:r>
+              <a:rPr kumimoji="1" lang="zh-CN" altLang="en-US" dirty="0" smtClean="0"/>
+              <a:t>角色资源</a:t>
+            </a:r>
+            <a:r>
+              <a:rPr kumimoji="1" lang="en-US" altLang="zh-CN" dirty="0" smtClean="0"/>
+              <a:t>"</a:t>
+            </a:r>
+            <a:r>
+              <a:rPr kumimoji="1" lang="zh-CN" altLang="en-US" dirty="0" smtClean="0"/>
+              <a:t>：与私人资源不同，角色资源范畴更大，一个角色可以对应多个人，也就是一群人。如果给某角色分配了权限，那么只有身为该角色的用户才能拥有这些权限。例如系统资源只能够管理员操作，一般用户不能操作。</a:t>
+            </a:r>
+          </a:p>
+          <a:p>
+            <a:r>
+              <a:rPr kumimoji="1" lang="en-US" altLang="zh-CN" dirty="0" smtClean="0"/>
+              <a:t>"</a:t>
+            </a:r>
+            <a:r>
+              <a:rPr kumimoji="1" lang="zh-CN" altLang="en-US" dirty="0" smtClean="0"/>
+              <a:t>公共资源</a:t>
+            </a:r>
+            <a:r>
+              <a:rPr kumimoji="1" lang="en-US" altLang="zh-CN" dirty="0" smtClean="0"/>
+              <a:t>"</a:t>
+            </a:r>
+            <a:r>
+              <a:rPr kumimoji="1" lang="zh-CN" altLang="en-US" dirty="0" smtClean="0"/>
+              <a:t>：所有人无论角色都能够访问并操作的资源。</a:t>
+            </a:r>
+            <a:endParaRPr kumimoji="1" lang="zh-CN" altLang="en-US" dirty="0"/>
+          </a:p>
+        </p:txBody>
+      </p:sp>
+      <p:sp>
+        <p:nvSpPr>
+          <p:cNvPr id="4" name="幻灯片编号占位符 3"/>
+          <p:cNvSpPr>
+            <a:spLocks noGrp="1"/>
+          </p:cNvSpPr>
+          <p:nvPr>
+            <p:ph type="sldNum" sz="quarter" idx="10"/>
+          </p:nvPr>
+        </p:nvSpPr>
+        <p:spPr/>
+        <p:txBody>
+          <a:bodyPr/>
+          <a:lstStyle/>
+          <a:p>
+            <a:fld id="{30E5BD0C-2667-BA41-90C5-58CB9DE5FD83}" type="slidenum">
+              <a:rPr kumimoji="1" lang="zh-CN" altLang="en-US" smtClean="0"/>
+              <a:t>3</a:t>
+            </a:fld>
+            <a:endParaRPr kumimoji="1" lang="zh-CN" altLang="en-US"/>
+          </a:p>
+        </p:txBody>
+      </p:sp>
+    </p:spTree>
+    <p:extLst>
+      <p:ext uri="{BB962C8B-B14F-4D97-AF65-F5344CB8AC3E}">
+        <p14:creationId xmlns:p14="http://schemas.microsoft.com/office/powerpoint/2010/main" val="3270191463"/>
+      </p:ext>
+    </p:extLst>
+  </p:cSld>
+  <p:clrMapOvr>
+    <a:masterClrMapping/>
+  </p:clrMapOvr>
+</p:notes>
+</file>
+
+<file path=ppt/notesSlides/notesSlide4.xml><?xml version="1.0" encoding="utf-8"?>
+<p:notes xmlns:a="http://schemas.openxmlformats.org/drawingml/2006/main" xmlns:r="http://schemas.openxmlformats.org/officeDocument/2006/relationships" xmlns:p="http://schemas.openxmlformats.org/presentationml/2006/main">
+  <p:cSld>
+    <p:spTree>
+      <p:nvGrpSpPr>
+        <p:cNvPr id="1" name=""/>
+        <p:cNvGrpSpPr/>
+        <p:nvPr/>
+      </p:nvGrpSpPr>
+      <p:grpSpPr>
+        <a:xfrm>
+          <a:off x="0" y="0"/>
+          <a:ext cx="0" cy="0"/>
+          <a:chOff x="0" y="0"/>
+          <a:chExt cx="0" cy="0"/>
+        </a:xfrm>
+      </p:grpSpPr>
+      <p:sp>
+        <p:nvSpPr>
+          <p:cNvPr id="2" name="幻灯片图像占位符 1"/>
+          <p:cNvSpPr>
+            <a:spLocks noGrp="1" noRot="1" noChangeAspect="1"/>
+          </p:cNvSpPr>
+          <p:nvPr>
+            <p:ph type="sldImg"/>
+          </p:nvPr>
+        </p:nvSpPr>
+        <p:spPr/>
+      </p:sp>
+      <p:sp>
+        <p:nvSpPr>
+          <p:cNvPr id="3" name="备注占位符 2"/>
+          <p:cNvSpPr>
+            <a:spLocks noGrp="1"/>
+          </p:cNvSpPr>
+          <p:nvPr>
+            <p:ph type="body" idx="1"/>
+          </p:nvPr>
+        </p:nvSpPr>
+        <p:spPr/>
+        <p:txBody>
+          <a:bodyPr/>
+          <a:lstStyle/>
+          <a:p>
+            <a:r>
+              <a:rPr kumimoji="1" lang="en-US" altLang="zh-CN" dirty="0" err="1" smtClean="0"/>
+              <a:t>SessionAuthPolicy</a:t>
+            </a:r>
+            <a:r>
+              <a:rPr kumimoji="1" lang="zh-CN" altLang="en-US" dirty="0" smtClean="0"/>
+              <a:t>：</a:t>
+            </a:r>
+            <a:r>
+              <a:rPr kumimoji="1" lang="zh-CN" altLang="en-US" dirty="0" smtClean="0"/>
+              <a:t> </a:t>
+            </a:r>
+            <a:r>
+              <a:rPr kumimoji="1" lang="zh-CN" altLang="en-US" dirty="0" smtClean="0"/>
+              <a:t>检测用户是否已经登录，用户登录是进行下面检测的前提。</a:t>
+            </a:r>
+          </a:p>
+          <a:p>
+            <a:r>
+              <a:rPr kumimoji="1" lang="en-US" altLang="zh-CN" dirty="0" err="1" smtClean="0"/>
+              <a:t>SourcePolicy</a:t>
+            </a:r>
+            <a:r>
+              <a:rPr kumimoji="1" lang="zh-CN" altLang="en-US" dirty="0" smtClean="0"/>
+              <a:t>：</a:t>
+            </a:r>
+            <a:r>
+              <a:rPr kumimoji="1" lang="zh-CN" altLang="en-US" dirty="0" smtClean="0"/>
+              <a:t> </a:t>
+            </a:r>
+            <a:r>
+              <a:rPr kumimoji="1" lang="zh-CN" altLang="en-US" dirty="0" smtClean="0"/>
+              <a:t>检测访问的资源是否存在，主要检测</a:t>
+            </a:r>
+            <a:r>
+              <a:rPr kumimoji="1" lang="en-US" altLang="zh-CN" dirty="0" smtClean="0"/>
+              <a:t>Source</a:t>
+            </a:r>
+            <a:r>
+              <a:rPr kumimoji="1" lang="zh-CN" altLang="en-US" dirty="0" smtClean="0"/>
+              <a:t>表的记录</a:t>
+            </a:r>
+          </a:p>
+          <a:p>
+            <a:r>
+              <a:rPr kumimoji="1" lang="en-US" altLang="zh-CN" dirty="0" err="1" smtClean="0"/>
+              <a:t>PermissionPolicy</a:t>
+            </a:r>
+            <a:r>
+              <a:rPr kumimoji="1" lang="zh-CN" altLang="en-US" dirty="0" smtClean="0"/>
+              <a:t>：检测该用户所属的角色，是否有对所访问资源进行对应操作的权限。</a:t>
+            </a:r>
+          </a:p>
+          <a:p>
+            <a:r>
+              <a:rPr kumimoji="1" lang="en-US" altLang="zh-CN" dirty="0" err="1" smtClean="0"/>
+              <a:t>OwnerPolicy</a:t>
+            </a:r>
+            <a:r>
+              <a:rPr kumimoji="1" lang="zh-CN" altLang="en-US" smtClean="0"/>
+              <a:t>：</a:t>
+            </a:r>
+            <a:r>
+              <a:rPr kumimoji="1" lang="zh-CN" altLang="en-US" smtClean="0"/>
+              <a:t> </a:t>
+            </a:r>
+            <a:r>
+              <a:rPr kumimoji="1" lang="zh-CN" altLang="en-US" smtClean="0"/>
+              <a:t>如果所访问</a:t>
+            </a:r>
+            <a:r>
+              <a:rPr kumimoji="1" lang="zh-CN" altLang="en-US" dirty="0" smtClean="0"/>
+              <a:t>的资源属于私人资源，则检测当前用户是否该资源的拥有者。</a:t>
+            </a:r>
+          </a:p>
+          <a:p>
+            <a:r>
+              <a:rPr kumimoji="1" lang="zh-CN" altLang="en-US" dirty="0" smtClean="0"/>
+              <a:t>如果通过所有</a:t>
+            </a:r>
+            <a:r>
+              <a:rPr kumimoji="1" lang="en-US" altLang="zh-CN" dirty="0" smtClean="0"/>
+              <a:t>policy</a:t>
+            </a:r>
+            <a:r>
+              <a:rPr kumimoji="1" lang="zh-CN" altLang="en-US" dirty="0" smtClean="0"/>
+              <a:t>的检测，则把请求转发到目标</a:t>
+            </a:r>
+            <a:r>
+              <a:rPr kumimoji="1" lang="en-US" altLang="zh-CN" dirty="0" smtClean="0"/>
+              <a:t>action</a:t>
+            </a:r>
+            <a:r>
+              <a:rPr kumimoji="1" lang="zh-CN" altLang="en-US" dirty="0" smtClean="0"/>
+              <a:t>。</a:t>
+            </a:r>
+          </a:p>
+          <a:p>
+            <a:endParaRPr kumimoji="1" lang="zh-CN" altLang="en-US" dirty="0" smtClean="0"/>
+          </a:p>
+          <a:p>
+            <a:endParaRPr kumimoji="1" lang="zh-CN" altLang="en-US" dirty="0"/>
+          </a:p>
+        </p:txBody>
+      </p:sp>
+      <p:sp>
+        <p:nvSpPr>
+          <p:cNvPr id="4" name="幻灯片编号占位符 3"/>
+          <p:cNvSpPr>
+            <a:spLocks noGrp="1"/>
+          </p:cNvSpPr>
+          <p:nvPr>
+            <p:ph type="sldNum" sz="quarter" idx="10"/>
+          </p:nvPr>
+        </p:nvSpPr>
+        <p:spPr/>
+        <p:txBody>
+          <a:bodyPr/>
+          <a:lstStyle/>
+          <a:p>
+            <a:fld id="{30E5BD0C-2667-BA41-90C5-58CB9DE5FD83}" type="slidenum">
+              <a:rPr kumimoji="1" lang="zh-CN" altLang="en-US" smtClean="0"/>
+              <a:t>4</a:t>
+            </a:fld>
+            <a:endParaRPr kumimoji="1" lang="zh-CN" altLang="en-US"/>
+          </a:p>
+        </p:txBody>
+      </p:sp>
+    </p:spTree>
+    <p:extLst>
+      <p:ext uri="{BB962C8B-B14F-4D97-AF65-F5344CB8AC3E}">
+        <p14:creationId xmlns:p14="http://schemas.microsoft.com/office/powerpoint/2010/main" val="3723075792"/>
+      </p:ext>
+    </p:extLst>
+  </p:cSld>
+  <p:clrMapOvr>
+    <a:masterClrMapping/>
+  </p:clrMapOvr>
+</p:notes>
+</file>
+
+<file path=ppt/notesSlides/notesSlide5.xml><?xml version="1.0" encoding="utf-8"?>
+<p:notes xmlns:a="http://schemas.openxmlformats.org/drawingml/2006/main" xmlns:r="http://schemas.openxmlformats.org/officeDocument/2006/relationships" xmlns:p="http://schemas.openxmlformats.org/presentationml/2006/main">
+  <p:cSld>
+    <p:spTree>
+      <p:nvGrpSpPr>
+        <p:cNvPr id="1" name=""/>
+        <p:cNvGrpSpPr/>
+        <p:nvPr/>
+      </p:nvGrpSpPr>
+      <p:grpSpPr>
+        <a:xfrm>
+          <a:off x="0" y="0"/>
+          <a:ext cx="0" cy="0"/>
+          <a:chOff x="0" y="0"/>
+          <a:chExt cx="0" cy="0"/>
+        </a:xfrm>
+      </p:grpSpPr>
+      <p:sp>
+        <p:nvSpPr>
+          <p:cNvPr id="2" name="幻灯片图像占位符 1"/>
+          <p:cNvSpPr>
+            <a:spLocks noGrp="1" noRot="1" noChangeAspect="1"/>
+          </p:cNvSpPr>
+          <p:nvPr>
+            <p:ph type="sldImg"/>
+          </p:nvPr>
+        </p:nvSpPr>
+        <p:spPr/>
+      </p:sp>
+      <p:sp>
+        <p:nvSpPr>
+          <p:cNvPr id="3" name="备注占位符 2"/>
+          <p:cNvSpPr>
+            <a:spLocks noGrp="1"/>
+          </p:cNvSpPr>
+          <p:nvPr>
+            <p:ph type="body" idx="1"/>
+          </p:nvPr>
+        </p:nvSpPr>
+        <p:spPr/>
+        <p:txBody>
+          <a:bodyPr/>
+          <a:lstStyle/>
+          <a:p>
+            <a:r>
+              <a:rPr kumimoji="1" lang="zh-CN" altLang="en-US" dirty="0" smtClean="0"/>
+              <a:t>想一想每个人上网的经历</a:t>
+            </a:r>
+            <a:r>
+              <a:rPr kumimoji="1" lang="en-US" altLang="zh-CN" dirty="0" smtClean="0"/>
+              <a:t>, </a:t>
+            </a:r>
+            <a:r>
+              <a:rPr kumimoji="1" lang="zh-CN" altLang="en-US" dirty="0" smtClean="0"/>
+              <a:t>你几乎不需要任何培训就可以上一个新的网络购物平台挑选商品</a:t>
+            </a:r>
+            <a:r>
+              <a:rPr kumimoji="1" lang="en-US" altLang="zh-CN" dirty="0" smtClean="0"/>
+              <a:t>,</a:t>
+            </a:r>
+            <a:r>
+              <a:rPr kumimoji="1" lang="zh-CN" altLang="en-US" dirty="0" smtClean="0"/>
+              <a:t>用信用卡付款</a:t>
+            </a:r>
+            <a:r>
+              <a:rPr kumimoji="1" lang="en-US" altLang="zh-CN" dirty="0" smtClean="0"/>
+              <a:t>,</a:t>
+            </a:r>
+            <a:r>
+              <a:rPr kumimoji="1" lang="zh-CN" altLang="en-US" dirty="0" smtClean="0"/>
+              <a:t>邮寄到自己家里</a:t>
+            </a:r>
+            <a:r>
+              <a:rPr kumimoji="1" lang="en-US" altLang="zh-CN" dirty="0" smtClean="0"/>
+              <a:t>.</a:t>
+            </a:r>
+          </a:p>
+          <a:p>
+            <a:r>
+              <a:rPr kumimoji="1" lang="zh-CN" altLang="en-US" dirty="0" smtClean="0"/>
+              <a:t>把网站的程序想像成一个状态机</a:t>
+            </a:r>
+            <a:r>
+              <a:rPr kumimoji="1" lang="en-US" altLang="zh-CN" dirty="0" smtClean="0"/>
+              <a:t>, </a:t>
+            </a:r>
+            <a:r>
+              <a:rPr kumimoji="1" lang="zh-CN" altLang="en-US" dirty="0" smtClean="0"/>
+              <a:t>用户在一系列状态转换中完成自己的目标</a:t>
+            </a:r>
+            <a:r>
+              <a:rPr kumimoji="1" lang="en-US" altLang="zh-CN" dirty="0" smtClean="0"/>
+              <a:t>. </a:t>
+            </a:r>
+            <a:r>
+              <a:rPr kumimoji="1" lang="zh-CN" altLang="en-US" dirty="0" smtClean="0"/>
+              <a:t>这中间的每一步</a:t>
+            </a:r>
+            <a:r>
+              <a:rPr kumimoji="1" lang="en-US" altLang="zh-CN" dirty="0" smtClean="0"/>
+              <a:t>, </a:t>
+            </a:r>
+            <a:r>
+              <a:rPr kumimoji="1" lang="zh-CN" altLang="en-US" dirty="0" smtClean="0"/>
+              <a:t>应用程序都告诉你当前的状态和可能的下一步操作</a:t>
+            </a:r>
+            <a:r>
+              <a:rPr kumimoji="1" lang="en-US" altLang="zh-CN" dirty="0" smtClean="0"/>
+              <a:t>, </a:t>
+            </a:r>
+            <a:r>
+              <a:rPr kumimoji="1" lang="zh-CN" altLang="en-US" dirty="0" smtClean="0"/>
+              <a:t>最终引导用户从挑选商品</a:t>
+            </a:r>
+            <a:r>
+              <a:rPr kumimoji="1" lang="en-US" altLang="zh-CN" dirty="0" smtClean="0"/>
+              <a:t>,</a:t>
+            </a:r>
+            <a:r>
+              <a:rPr kumimoji="1" lang="zh-CN" altLang="en-US" dirty="0" smtClean="0"/>
+              <a:t>挑选更多商品</a:t>
+            </a:r>
+            <a:r>
+              <a:rPr kumimoji="1" lang="en-US" altLang="zh-CN" dirty="0" smtClean="0"/>
+              <a:t>,</a:t>
+            </a:r>
+            <a:r>
+              <a:rPr kumimoji="1" lang="zh-CN" altLang="en-US" dirty="0" smtClean="0"/>
+              <a:t>到支付页面</a:t>
+            </a:r>
+            <a:r>
+              <a:rPr kumimoji="1" lang="en-US" altLang="zh-CN" dirty="0" smtClean="0"/>
+              <a:t>,</a:t>
+            </a:r>
+            <a:r>
+              <a:rPr kumimoji="1" lang="zh-CN" altLang="en-US" dirty="0" smtClean="0"/>
+              <a:t>到输入信用卡信息</a:t>
+            </a:r>
+            <a:r>
+              <a:rPr kumimoji="1" lang="en-US" altLang="zh-CN" dirty="0" smtClean="0"/>
+              <a:t>,</a:t>
+            </a:r>
+            <a:r>
+              <a:rPr kumimoji="1" lang="zh-CN" altLang="en-US" dirty="0" smtClean="0"/>
+              <a:t>最终完成付费</a:t>
+            </a:r>
+            <a:r>
+              <a:rPr kumimoji="1" lang="en-US" altLang="zh-CN" dirty="0" smtClean="0"/>
+              <a:t>,</a:t>
+            </a:r>
+            <a:r>
+              <a:rPr kumimoji="1" lang="zh-CN" altLang="en-US" dirty="0" smtClean="0"/>
+              <a:t>到达状态机的终点</a:t>
+            </a:r>
+            <a:r>
+              <a:rPr kumimoji="1" lang="en-US" altLang="zh-CN" dirty="0" smtClean="0"/>
+              <a:t>.</a:t>
+            </a:r>
+          </a:p>
+          <a:p>
+            <a:r>
+              <a:rPr kumimoji="1" lang="zh-CN" altLang="en-US" dirty="0" smtClean="0"/>
+              <a:t>这种</a:t>
+            </a:r>
+            <a:r>
+              <a:rPr kumimoji="1" lang="en-US" altLang="zh-CN" dirty="0" smtClean="0"/>
+              <a:t>service </a:t>
+            </a:r>
+            <a:r>
+              <a:rPr kumimoji="1" lang="en-US" altLang="zh-CN" dirty="0" err="1" smtClean="0"/>
+              <a:t>discoverablility</a:t>
+            </a:r>
+            <a:r>
+              <a:rPr kumimoji="1" lang="zh-CN" altLang="en-US" dirty="0" smtClean="0"/>
+              <a:t>和</a:t>
+            </a:r>
+            <a:r>
+              <a:rPr kumimoji="1" lang="en-US" altLang="zh-CN" dirty="0" smtClean="0"/>
+              <a:t>self-documenting</a:t>
+            </a:r>
+            <a:r>
+              <a:rPr kumimoji="1" lang="zh-CN" altLang="en-US" dirty="0" smtClean="0"/>
+              <a:t>就是</a:t>
+            </a:r>
+            <a:r>
+              <a:rPr kumimoji="1" lang="en-US" altLang="zh-CN" dirty="0" smtClean="0"/>
+              <a:t>level 3</a:t>
+            </a:r>
+            <a:r>
+              <a:rPr kumimoji="1" lang="zh-CN" altLang="en-US" dirty="0" smtClean="0"/>
+              <a:t>想解决的问题</a:t>
+            </a:r>
+            <a:endParaRPr kumimoji="1" lang="zh-CN" altLang="en-US" dirty="0"/>
+          </a:p>
+        </p:txBody>
+      </p:sp>
+      <p:sp>
+        <p:nvSpPr>
+          <p:cNvPr id="4" name="幻灯片编号占位符 3"/>
+          <p:cNvSpPr>
+            <a:spLocks noGrp="1"/>
+          </p:cNvSpPr>
+          <p:nvPr>
+            <p:ph type="sldNum" sz="quarter" idx="10"/>
+          </p:nvPr>
+        </p:nvSpPr>
+        <p:spPr/>
+        <p:txBody>
+          <a:bodyPr/>
+          <a:lstStyle/>
+          <a:p>
+            <a:fld id="{30E5BD0C-2667-BA41-90C5-58CB9DE5FD83}" type="slidenum">
+              <a:rPr kumimoji="1" lang="zh-CN" altLang="en-US" smtClean="0"/>
+              <a:t>6</a:t>
+            </a:fld>
+            <a:endParaRPr kumimoji="1" lang="zh-CN" altLang="en-US"/>
+          </a:p>
+        </p:txBody>
+      </p:sp>
+    </p:spTree>
+    <p:extLst>
+      <p:ext uri="{BB962C8B-B14F-4D97-AF65-F5344CB8AC3E}">
+        <p14:creationId xmlns:p14="http://schemas.microsoft.com/office/powerpoint/2010/main" val="2448620109"/>
+      </p:ext>
+    </p:extLst>
+  </p:cSld>
+  <p:clrMapOvr>
+    <a:masterClrMapping/>
+  </p:clrMapOvr>
+</p:notes>
+</file>
+
 <file path=ppt/slideLayouts/slideLayout1.xml><?xml version="1.0" encoding="utf-8"?>
 <p:sldLayout xmlns:a="http://schemas.openxmlformats.org/drawingml/2006/main" xmlns:r="http://schemas.openxmlformats.org/officeDocument/2006/relationships" xmlns:p="http://schemas.openxmlformats.org/presentationml/2006/main" type="title" preserve="1">
   <p:cSld name="标题幻灯片">
@@ -643,7 +1367,7 @@
           <a:p>
             <a:fld id="{D7B12BEA-236C-5749-AF49-060B228B08C5}" type="datetimeFigureOut">
               <a:rPr kumimoji="1" lang="zh-CN" altLang="en-US" smtClean="0"/>
-              <a:t>17/2/20</a:t>
+              <a:t>17/2/21</a:t>
             </a:fld>
             <a:endParaRPr kumimoji="1" lang="zh-CN" altLang="en-US"/>
           </a:p>
@@ -813,7 +1537,7 @@
           <a:p>
             <a:fld id="{D7B12BEA-236C-5749-AF49-060B228B08C5}" type="datetimeFigureOut">
               <a:rPr kumimoji="1" lang="zh-CN" altLang="en-US" smtClean="0"/>
-              <a:t>17/2/20</a:t>
+              <a:t>17/2/21</a:t>
             </a:fld>
             <a:endParaRPr kumimoji="1" lang="zh-CN" altLang="en-US"/>
           </a:p>
@@ -993,7 +1717,7 @@
           <a:p>
             <a:fld id="{D7B12BEA-236C-5749-AF49-060B228B08C5}" type="datetimeFigureOut">
               <a:rPr kumimoji="1" lang="zh-CN" altLang="en-US" smtClean="0"/>
-              <a:t>17/2/20</a:t>
+              <a:t>17/2/21</a:t>
             </a:fld>
             <a:endParaRPr kumimoji="1" lang="zh-CN" altLang="en-US"/>
           </a:p>
@@ -1163,7 +1887,7 @@
           <a:p>
             <a:fld id="{D7B12BEA-236C-5749-AF49-060B228B08C5}" type="datetimeFigureOut">
               <a:rPr kumimoji="1" lang="zh-CN" altLang="en-US" smtClean="0"/>
-              <a:t>17/2/20</a:t>
+              <a:t>17/2/21</a:t>
             </a:fld>
             <a:endParaRPr kumimoji="1" lang="zh-CN" altLang="en-US"/>
           </a:p>
@@ -1409,7 +2133,7 @@
           <a:p>
             <a:fld id="{D7B12BEA-236C-5749-AF49-060B228B08C5}" type="datetimeFigureOut">
               <a:rPr kumimoji="1" lang="zh-CN" altLang="en-US" smtClean="0"/>
-              <a:t>17/2/20</a:t>
+              <a:t>17/2/21</a:t>
             </a:fld>
             <a:endParaRPr kumimoji="1" lang="zh-CN" altLang="en-US"/>
           </a:p>
@@ -1697,7 +2421,7 @@
           <a:p>
             <a:fld id="{D7B12BEA-236C-5749-AF49-060B228B08C5}" type="datetimeFigureOut">
               <a:rPr kumimoji="1" lang="zh-CN" altLang="en-US" smtClean="0"/>
-              <a:t>17/2/20</a:t>
+              <a:t>17/2/21</a:t>
             </a:fld>
             <a:endParaRPr kumimoji="1" lang="zh-CN" altLang="en-US"/>
           </a:p>
@@ -2119,7 +2843,7 @@
           <a:p>
             <a:fld id="{D7B12BEA-236C-5749-AF49-060B228B08C5}" type="datetimeFigureOut">
               <a:rPr kumimoji="1" lang="zh-CN" altLang="en-US" smtClean="0"/>
-              <a:t>17/2/20</a:t>
+              <a:t>17/2/21</a:t>
             </a:fld>
             <a:endParaRPr kumimoji="1" lang="zh-CN" altLang="en-US"/>
           </a:p>
@@ -2237,7 +2961,7 @@
           <a:p>
             <a:fld id="{D7B12BEA-236C-5749-AF49-060B228B08C5}" type="datetimeFigureOut">
               <a:rPr kumimoji="1" lang="zh-CN" altLang="en-US" smtClean="0"/>
-              <a:t>17/2/20</a:t>
+              <a:t>17/2/21</a:t>
             </a:fld>
             <a:endParaRPr kumimoji="1" lang="zh-CN" altLang="en-US"/>
           </a:p>
@@ -2332,7 +3056,7 @@
           <a:p>
             <a:fld id="{D7B12BEA-236C-5749-AF49-060B228B08C5}" type="datetimeFigureOut">
               <a:rPr kumimoji="1" lang="zh-CN" altLang="en-US" smtClean="0"/>
-              <a:t>17/2/20</a:t>
+              <a:t>17/2/21</a:t>
             </a:fld>
             <a:endParaRPr kumimoji="1" lang="zh-CN" altLang="en-US"/>
           </a:p>
@@ -2609,7 +3333,7 @@
           <a:p>
             <a:fld id="{D7B12BEA-236C-5749-AF49-060B228B08C5}" type="datetimeFigureOut">
               <a:rPr kumimoji="1" lang="zh-CN" altLang="en-US" smtClean="0"/>
-              <a:t>17/2/20</a:t>
+              <a:t>17/2/21</a:t>
             </a:fld>
             <a:endParaRPr kumimoji="1" lang="zh-CN" altLang="en-US"/>
           </a:p>
@@ -2862,7 +3586,7 @@
           <a:p>
             <a:fld id="{D7B12BEA-236C-5749-AF49-060B228B08C5}" type="datetimeFigureOut">
               <a:rPr kumimoji="1" lang="zh-CN" altLang="en-US" smtClean="0"/>
-              <a:t>17/2/20</a:t>
+              <a:t>17/2/21</a:t>
             </a:fld>
             <a:endParaRPr kumimoji="1" lang="zh-CN" altLang="en-US"/>
           </a:p>
@@ -3075,7 +3799,7 @@
           <a:p>
             <a:fld id="{D7B12BEA-236C-5749-AF49-060B228B08C5}" type="datetimeFigureOut">
               <a:rPr kumimoji="1" lang="zh-CN" altLang="en-US" smtClean="0"/>
-              <a:t>17/2/20</a:t>
+              <a:t>17/2/21</a:t>
             </a:fld>
             <a:endParaRPr kumimoji="1" lang="zh-CN" altLang="en-US"/>
           </a:p>
@@ -3489,6 +4213,44 @@
           </a:p>
         </p:txBody>
       </p:sp>
+      <p:sp>
+        <p:nvSpPr>
+          <p:cNvPr id="4" name="文本框 3"/>
+          <p:cNvSpPr txBox="1"/>
+          <p:nvPr/>
+        </p:nvSpPr>
+        <p:spPr>
+          <a:xfrm>
+            <a:off x="3694711" y="4072068"/>
+            <a:ext cx="4189539" cy="523220"/>
+          </a:xfrm>
+          <a:prstGeom prst="rect">
+            <a:avLst/>
+          </a:prstGeom>
+          <a:noFill/>
+        </p:spPr>
+        <p:txBody>
+          <a:bodyPr wrap="square" rtlCol="0">
+            <a:spAutoFit/>
+          </a:bodyPr>
+          <a:lstStyle/>
+          <a:p>
+            <a:r>
+              <a:rPr kumimoji="1" lang="zh-CN" altLang="en-US" sz="2800" dirty="0" smtClean="0"/>
+              <a:t>网站即软件，</a:t>
+            </a:r>
+            <a:r>
+              <a:rPr kumimoji="1" lang="en-US" altLang="zh-CN" sz="2800" dirty="0" smtClean="0"/>
+              <a:t>WEB</a:t>
+            </a:r>
+            <a:r>
+              <a:rPr kumimoji="1" lang="zh-CN" altLang="en-US" sz="2800" dirty="0" smtClean="0"/>
+              <a:t>即服务</a:t>
+            </a:r>
+            <a:endParaRPr kumimoji="1" lang="zh-CN" altLang="en-US" sz="2800" dirty="0"/>
+          </a:p>
+        </p:txBody>
+      </p:sp>
     </p:spTree>
     <p:extLst>
       <p:ext uri="{BB962C8B-B14F-4D97-AF65-F5344CB8AC3E}">
@@ -3559,17 +4321,113 @@
             <p:ph idx="1"/>
           </p:nvPr>
         </p:nvSpPr>
-        <p:spPr/>
+        <p:spPr>
+          <a:xfrm>
+            <a:off x="457200" y="1417639"/>
+            <a:ext cx="8229600" cy="2082724"/>
+          </a:xfrm>
+        </p:spPr>
         <p:txBody>
           <a:bodyPr>
-            <a:normAutofit/>
+            <a:normAutofit fontScale="92500" lnSpcReduction="10000"/>
           </a:bodyPr>
           <a:lstStyle/>
           <a:p>
+            <a:pPr marL="0" indent="0">
+              <a:buNone/>
+            </a:pPr>
+            <a:r>
+              <a:rPr kumimoji="1" lang="zh-CN" altLang="en-US" sz="2400" dirty="0" smtClean="0"/>
+              <a:t>网络</a:t>
+            </a:r>
+            <a:r>
+              <a:rPr kumimoji="1" lang="zh-CN" altLang="en-US" sz="2400" dirty="0"/>
+              <a:t>上的一个实体，或者说是网络上的一个具体信息。它可以是一段文本、一张图片、一首歌曲、一种服务，总之就是一个具体的实在</a:t>
+            </a:r>
+            <a:r>
+              <a:rPr kumimoji="1" lang="zh-CN" altLang="en-US" sz="2400" dirty="0" smtClean="0"/>
+              <a:t>。</a:t>
+            </a:r>
+            <a:endParaRPr kumimoji="1" lang="en-US" altLang="zh-CN" sz="2400" dirty="0"/>
+          </a:p>
+          <a:p>
+            <a:pPr marL="0" indent="0">
+              <a:buNone/>
+            </a:pPr>
+            <a:r>
+              <a:rPr kumimoji="1" lang="zh-CN" altLang="en-US" sz="2400" dirty="0" smtClean="0"/>
+              <a:t>用一个</a:t>
+            </a:r>
+            <a:r>
+              <a:rPr kumimoji="1" lang="en-US" altLang="zh-CN" sz="2400" dirty="0"/>
+              <a:t>URI</a:t>
+            </a:r>
+            <a:r>
+              <a:rPr kumimoji="1" lang="zh-CN" altLang="en-US" sz="2400" dirty="0"/>
+              <a:t>（统一资源定位符）指向它，每种资源对应一个特定的</a:t>
+            </a:r>
+            <a:r>
+              <a:rPr kumimoji="1" lang="en-US" altLang="zh-CN" sz="2400" dirty="0"/>
+              <a:t>URI</a:t>
+            </a:r>
+            <a:r>
+              <a:rPr kumimoji="1" lang="zh-CN" altLang="en-US" sz="2400" dirty="0"/>
+              <a:t>。要获取这个资源，访问它的</a:t>
+            </a:r>
+            <a:r>
+              <a:rPr kumimoji="1" lang="en-US" altLang="zh-CN" sz="2400" dirty="0"/>
+              <a:t>URI</a:t>
+            </a:r>
+            <a:r>
+              <a:rPr kumimoji="1" lang="zh-CN" altLang="en-US" sz="2400" dirty="0"/>
+              <a:t>就可以，因此</a:t>
+            </a:r>
+            <a:r>
+              <a:rPr kumimoji="1" lang="en-US" altLang="zh-CN" sz="2400" dirty="0"/>
+              <a:t>URI</a:t>
+            </a:r>
+            <a:r>
+              <a:rPr kumimoji="1" lang="zh-CN" altLang="en-US" sz="2400" dirty="0"/>
+              <a:t>就成了每一个资源的地址或独一无二的识别符</a:t>
+            </a:r>
+            <a:r>
+              <a:rPr kumimoji="1" lang="zh-CN" altLang="en-US" sz="2400" dirty="0" smtClean="0"/>
+              <a:t>。</a:t>
+            </a:r>
+            <a:endParaRPr kumimoji="1" lang="en-US" altLang="zh-CN" sz="2400" dirty="0" smtClean="0"/>
+          </a:p>
+          <a:p>
+            <a:pPr marL="0" indent="0">
+              <a:buNone/>
+            </a:pPr>
             <a:endParaRPr kumimoji="1" lang="zh-CN" altLang="en-US" sz="2400" dirty="0"/>
           </a:p>
         </p:txBody>
       </p:sp>
+      <p:pic>
+        <p:nvPicPr>
+          <p:cNvPr id="7" name="图片 6"/>
+          <p:cNvPicPr>
+            <a:picLocks noChangeAspect="1"/>
+          </p:cNvPicPr>
+          <p:nvPr/>
+        </p:nvPicPr>
+        <p:blipFill>
+          <a:blip r:embed="rId3"/>
+          <a:stretch>
+            <a:fillRect/>
+          </a:stretch>
+        </p:blipFill>
+        <p:spPr>
+          <a:xfrm>
+            <a:off x="1187584" y="3566342"/>
+            <a:ext cx="6927587" cy="3357638"/>
+          </a:xfrm>
+          <a:prstGeom prst="rect">
+            <a:avLst/>
+          </a:prstGeom>
+        </p:spPr>
+      </p:pic>
     </p:spTree>
     <p:extLst>
       <p:ext uri="{BB962C8B-B14F-4D97-AF65-F5344CB8AC3E}">
@@ -3623,28 +4481,8 @@
           <a:lstStyle/>
           <a:p>
             <a:r>
-              <a:rPr lang="pl-PL" altLang="zh-CN" dirty="0"/>
-              <a:t>BS</a:t>
-            </a:r>
-            <a:r>
-              <a:rPr lang="zh-CN" altLang="pl-PL" dirty="0"/>
-              <a:t>之 </a:t>
-            </a:r>
-            <a:r>
-              <a:rPr lang="pl-PL" altLang="zh-CN" dirty="0" err="1"/>
-              <a:t>cookie</a:t>
-            </a:r>
-            <a:r>
-              <a:rPr lang="pl-PL" altLang="zh-CN" dirty="0"/>
-              <a:t> </a:t>
-            </a:r>
-            <a:r>
-              <a:rPr lang="zh-CN" altLang="pl-PL" dirty="0"/>
-              <a:t>与 </a:t>
-            </a:r>
-            <a:r>
-              <a:rPr lang="pl-PL" altLang="zh-CN" dirty="0" err="1"/>
-              <a:t>session</a:t>
+              <a:rPr kumimoji="1" lang="zh-CN" altLang="en-US" dirty="0" smtClean="0"/>
+              <a:t>资源的分类、操作、权限</a:t>
             </a:r>
             <a:endParaRPr kumimoji="1" lang="zh-CN" altLang="en-US" dirty="0"/>
           </a:p>
@@ -3660,11 +4498,442 @@
             <p:ph idx="1"/>
           </p:nvPr>
         </p:nvSpPr>
-        <p:spPr/>
-        <p:txBody>
-          <a:bodyPr/>
-          <a:lstStyle/>
-          <a:p>
+        <p:spPr>
+          <a:xfrm>
+            <a:off x="457200" y="1600201"/>
+            <a:ext cx="8229600" cy="1764880"/>
+          </a:xfrm>
+        </p:spPr>
+        <p:txBody>
+          <a:bodyPr/>
+          <a:lstStyle/>
+          <a:p>
+            <a:r>
+              <a:rPr kumimoji="1" lang="zh-TW" altLang="en-US" dirty="0"/>
+              <a:t>私人资源 </a:t>
+            </a:r>
+            <a:r>
+              <a:rPr kumimoji="1" lang="en-US" altLang="zh-TW" dirty="0"/>
+              <a:t>(Personal Source)</a:t>
+            </a:r>
+          </a:p>
+          <a:p>
+            <a:r>
+              <a:rPr kumimoji="1" lang="zh-TW" altLang="en-US" dirty="0"/>
+              <a:t>角色资源 </a:t>
+            </a:r>
+            <a:r>
+              <a:rPr kumimoji="1" lang="en-US" altLang="zh-TW" dirty="0"/>
+              <a:t>(Roles Source)</a:t>
+            </a:r>
+          </a:p>
+          <a:p>
+            <a:r>
+              <a:rPr kumimoji="1" lang="zh-TW" altLang="en-US" dirty="0"/>
+              <a:t>公共资源 </a:t>
+            </a:r>
+            <a:r>
+              <a:rPr kumimoji="1" lang="en-US" altLang="zh-TW" dirty="0"/>
+              <a:t>(Public Source)</a:t>
+            </a:r>
+          </a:p>
+          <a:p>
+            <a:endParaRPr kumimoji="1" lang="zh-CN" altLang="en-US" dirty="0"/>
+          </a:p>
+        </p:txBody>
+      </p:sp>
+      <p:pic>
+        <p:nvPicPr>
+          <p:cNvPr id="4" name="图片 3"/>
+          <p:cNvPicPr>
+            <a:picLocks noChangeAspect="1"/>
+          </p:cNvPicPr>
+          <p:nvPr/>
+        </p:nvPicPr>
+        <p:blipFill>
+          <a:blip r:embed="rId3"/>
+          <a:stretch>
+            <a:fillRect/>
+          </a:stretch>
+        </p:blipFill>
+        <p:spPr>
+          <a:xfrm>
+            <a:off x="758735" y="3365081"/>
+            <a:ext cx="7686322" cy="3332087"/>
+          </a:xfrm>
+          <a:prstGeom prst="rect">
+            <a:avLst/>
+          </a:prstGeom>
+        </p:spPr>
+      </p:pic>
+    </p:spTree>
+    <p:extLst>
+      <p:ext uri="{BB962C8B-B14F-4D97-AF65-F5344CB8AC3E}">
+        <p14:creationId xmlns:p14="http://schemas.microsoft.com/office/powerpoint/2010/main" val="111472503"/>
+      </p:ext>
+    </p:extLst>
+  </p:cSld>
+  <p:clrMapOvr>
+    <a:masterClrMapping/>
+  </p:clrMapOvr>
+  <p:timing>
+    <p:tnLst>
+      <p:par>
+        <p:cTn xmlns:p14="http://schemas.microsoft.com/office/powerpoint/2010/main" id="1" dur="indefinite" restart="never" nodeType="tmRoot"/>
+      </p:par>
+    </p:tnLst>
+  </p:timing>
+</p:sld>
+</file>
+
+<file path=ppt/slides/slide4.xml><?xml version="1.0" encoding="utf-8"?>
+<p:sld xmlns:a="http://schemas.openxmlformats.org/drawingml/2006/main" xmlns:r="http://schemas.openxmlformats.org/officeDocument/2006/relationships" xmlns:p="http://schemas.openxmlformats.org/presentationml/2006/main">
+  <p:cSld>
+    <p:spTree>
+      <p:nvGrpSpPr>
+        <p:cNvPr id="1" name=""/>
+        <p:cNvGrpSpPr/>
+        <p:nvPr/>
+      </p:nvGrpSpPr>
+      <p:grpSpPr>
+        <a:xfrm>
+          <a:off x="0" y="0"/>
+          <a:ext cx="0" cy="0"/>
+          <a:chOff x="0" y="0"/>
+          <a:chExt cx="0" cy="0"/>
+        </a:xfrm>
+      </p:grpSpPr>
+      <p:sp>
+        <p:nvSpPr>
+          <p:cNvPr id="2" name="标题 1"/>
+          <p:cNvSpPr>
+            <a:spLocks noGrp="1"/>
+          </p:cNvSpPr>
+          <p:nvPr>
+            <p:ph type="title"/>
+          </p:nvPr>
+        </p:nvSpPr>
+        <p:spPr/>
+        <p:txBody>
+          <a:bodyPr/>
+          <a:lstStyle/>
+          <a:p>
+            <a:r>
+              <a:rPr kumimoji="1" lang="zh-CN" altLang="en-US" dirty="0" smtClean="0"/>
+              <a:t>资源权限策略</a:t>
+            </a:r>
+            <a:r>
+              <a:rPr kumimoji="1" lang="en-US" altLang="zh-CN" dirty="0" smtClean="0"/>
+              <a:t>/</a:t>
+            </a:r>
+            <a:r>
+              <a:rPr kumimoji="1" lang="zh-CN" altLang="en-US" dirty="0" smtClean="0"/>
+              <a:t>过滤器</a:t>
+            </a:r>
+            <a:endParaRPr kumimoji="1" lang="zh-CN" altLang="en-US" dirty="0"/>
+          </a:p>
+        </p:txBody>
+      </p:sp>
+      <p:pic>
+        <p:nvPicPr>
+          <p:cNvPr id="4" name="内容占位符 3"/>
+          <p:cNvPicPr>
+            <a:picLocks noGrp="1" noChangeAspect="1"/>
+          </p:cNvPicPr>
+          <p:nvPr>
+            <p:ph idx="1"/>
+          </p:nvPr>
+        </p:nvPicPr>
+        <p:blipFill>
+          <a:blip r:embed="rId3"/>
+          <a:srcRect t="6724" b="6724"/>
+          <a:stretch>
+            <a:fillRect/>
+          </a:stretch>
+        </p:blipFill>
+        <p:spPr/>
+      </p:pic>
+    </p:spTree>
+    <p:extLst>
+      <p:ext uri="{BB962C8B-B14F-4D97-AF65-F5344CB8AC3E}">
+        <p14:creationId xmlns:p14="http://schemas.microsoft.com/office/powerpoint/2010/main" val="3671721209"/>
+      </p:ext>
+    </p:extLst>
+  </p:cSld>
+  <p:clrMapOvr>
+    <a:masterClrMapping/>
+  </p:clrMapOvr>
+</p:sld>
+</file>
+
+<file path=ppt/slides/slide5.xml><?xml version="1.0" encoding="utf-8"?>
+<p:sld xmlns:a="http://schemas.openxmlformats.org/drawingml/2006/main" xmlns:r="http://schemas.openxmlformats.org/officeDocument/2006/relationships" xmlns:p="http://schemas.openxmlformats.org/presentationml/2006/main">
+  <p:cSld>
+    <p:spTree>
+      <p:nvGrpSpPr>
+        <p:cNvPr id="1" name=""/>
+        <p:cNvGrpSpPr/>
+        <p:nvPr/>
+      </p:nvGrpSpPr>
+      <p:grpSpPr>
+        <a:xfrm>
+          <a:off x="0" y="0"/>
+          <a:ext cx="0" cy="0"/>
+          <a:chOff x="0" y="0"/>
+          <a:chExt cx="0" cy="0"/>
+        </a:xfrm>
+      </p:grpSpPr>
+      <p:sp>
+        <p:nvSpPr>
+          <p:cNvPr id="2" name="标题 1"/>
+          <p:cNvSpPr>
+            <a:spLocks noGrp="1"/>
+          </p:cNvSpPr>
+          <p:nvPr>
+            <p:ph type="title"/>
+          </p:nvPr>
+        </p:nvSpPr>
+        <p:spPr/>
+        <p:txBody>
+          <a:bodyPr/>
+          <a:lstStyle/>
+          <a:p>
+            <a:r>
+              <a:rPr kumimoji="1" lang="en-US" altLang="zh-CN" dirty="0" smtClean="0"/>
+              <a:t>Restful</a:t>
+            </a:r>
+            <a:r>
+              <a:rPr kumimoji="1" lang="zh-CN" altLang="en-US" dirty="0" smtClean="0"/>
+              <a:t>作用</a:t>
+            </a:r>
+            <a:endParaRPr kumimoji="1" lang="zh-CN" altLang="en-US" dirty="0"/>
+          </a:p>
+        </p:txBody>
+      </p:sp>
+      <p:sp>
+        <p:nvSpPr>
+          <p:cNvPr id="3" name="内容占位符 2"/>
+          <p:cNvSpPr>
+            <a:spLocks noGrp="1"/>
+          </p:cNvSpPr>
+          <p:nvPr>
+            <p:ph idx="1"/>
+          </p:nvPr>
+        </p:nvSpPr>
+        <p:spPr/>
+        <p:txBody>
+          <a:bodyPr/>
+          <a:lstStyle/>
+          <a:p>
+            <a:r>
+              <a:rPr kumimoji="1" lang="zh-CN" altLang="en-US" dirty="0"/>
+              <a:t>使得各种资源有了自己相应的</a:t>
+            </a:r>
+            <a:r>
+              <a:rPr kumimoji="1" lang="en-US" altLang="zh-CN" dirty="0" smtClean="0"/>
+              <a:t>URI</a:t>
+            </a:r>
+          </a:p>
+          <a:p>
+            <a:r>
+              <a:rPr kumimoji="1" lang="zh-CN" altLang="en-US" dirty="0"/>
+              <a:t>对各种资源进行</a:t>
+            </a:r>
+            <a:r>
+              <a:rPr kumimoji="1" lang="en-US" altLang="zh-CN" dirty="0"/>
+              <a:t>crud</a:t>
+            </a:r>
+            <a:r>
+              <a:rPr kumimoji="1" lang="zh-CN" altLang="en-US" dirty="0"/>
+              <a:t>操作</a:t>
+            </a:r>
+            <a:r>
+              <a:rPr kumimoji="1" lang="en-US" altLang="zh-CN" dirty="0"/>
+              <a:t>, </a:t>
+            </a:r>
+            <a:r>
+              <a:rPr kumimoji="1" lang="zh-CN" altLang="en-US" dirty="0"/>
+              <a:t>使得应用程序的接口更加的统一</a:t>
+            </a:r>
+            <a:r>
+              <a:rPr kumimoji="1" lang="en-US" altLang="zh-CN" dirty="0"/>
+              <a:t>, </a:t>
+            </a:r>
+            <a:r>
+              <a:rPr kumimoji="1" lang="zh-CN" altLang="en-US" dirty="0"/>
+              <a:t>语义更加明确</a:t>
+            </a:r>
+            <a:r>
+              <a:rPr kumimoji="1" lang="en-US" altLang="zh-CN" dirty="0"/>
+              <a:t>.</a:t>
+            </a:r>
+            <a:endParaRPr kumimoji="1" lang="zh-CN" altLang="en-US" dirty="0"/>
+          </a:p>
+        </p:txBody>
+      </p:sp>
+    </p:spTree>
+    <p:extLst>
+      <p:ext uri="{BB962C8B-B14F-4D97-AF65-F5344CB8AC3E}">
+        <p14:creationId xmlns:p14="http://schemas.microsoft.com/office/powerpoint/2010/main" val="4081023584"/>
+      </p:ext>
+    </p:extLst>
+  </p:cSld>
+  <p:clrMapOvr>
+    <a:masterClrMapping/>
+  </p:clrMapOvr>
+  <p:timing>
+    <p:tnLst>
+      <p:par>
+        <p:cTn xmlns:p14="http://schemas.microsoft.com/office/powerpoint/2010/main" id="1" dur="indefinite" restart="never" nodeType="tmRoot"/>
+      </p:par>
+    </p:tnLst>
+  </p:timing>
+</p:sld>
+</file>
+
+<file path=ppt/slides/slide6.xml><?xml version="1.0" encoding="utf-8"?>
+<p:sld xmlns:a="http://schemas.openxmlformats.org/drawingml/2006/main" xmlns:r="http://schemas.openxmlformats.org/officeDocument/2006/relationships" xmlns:p="http://schemas.openxmlformats.org/presentationml/2006/main">
+  <p:cSld>
+    <p:spTree>
+      <p:nvGrpSpPr>
+        <p:cNvPr id="1" name=""/>
+        <p:cNvGrpSpPr/>
+        <p:nvPr/>
+      </p:nvGrpSpPr>
+      <p:grpSpPr>
+        <a:xfrm>
+          <a:off x="0" y="0"/>
+          <a:ext cx="0" cy="0"/>
+          <a:chOff x="0" y="0"/>
+          <a:chExt cx="0" cy="0"/>
+        </a:xfrm>
+      </p:grpSpPr>
+      <p:sp>
+        <p:nvSpPr>
+          <p:cNvPr id="2" name="标题 1"/>
+          <p:cNvSpPr>
+            <a:spLocks noGrp="1"/>
+          </p:cNvSpPr>
+          <p:nvPr>
+            <p:ph type="title"/>
+          </p:nvPr>
+        </p:nvSpPr>
+        <p:spPr/>
+        <p:txBody>
+          <a:bodyPr/>
+          <a:lstStyle/>
+          <a:p>
+            <a:r>
+              <a:rPr kumimoji="1" lang="en-US" altLang="zh-CN" dirty="0" err="1" smtClean="0"/>
+              <a:t>RESTful</a:t>
+            </a:r>
+            <a:r>
+              <a:rPr kumimoji="1" lang="zh-CN" altLang="en-US" dirty="0" smtClean="0"/>
+              <a:t>架构</a:t>
+            </a:r>
+            <a:endParaRPr kumimoji="1" lang="zh-CN" altLang="en-US" dirty="0"/>
+          </a:p>
+        </p:txBody>
+      </p:sp>
+      <p:sp>
+        <p:nvSpPr>
+          <p:cNvPr id="3" name="内容占位符 2"/>
+          <p:cNvSpPr>
+            <a:spLocks noGrp="1"/>
+          </p:cNvSpPr>
+          <p:nvPr>
+            <p:ph idx="1"/>
+          </p:nvPr>
+        </p:nvSpPr>
+        <p:spPr>
+          <a:xfrm>
+            <a:off x="457200" y="1600200"/>
+            <a:ext cx="8229600" cy="4816546"/>
+          </a:xfrm>
+        </p:spPr>
+        <p:txBody>
+          <a:bodyPr>
+            <a:normAutofit fontScale="92500" lnSpcReduction="10000"/>
+          </a:bodyPr>
+          <a:lstStyle/>
+          <a:p>
+            <a:r>
+              <a:rPr kumimoji="1" lang="en-US" altLang="zh-CN" dirty="0" err="1"/>
+              <a:t>RESTful</a:t>
+            </a:r>
+            <a:r>
+              <a:rPr kumimoji="1" lang="zh-CN" altLang="en-US" dirty="0"/>
+              <a:t>架构，就是目前最流行的一种互联网软件架构。它结构清晰、符合标准、易于理解、扩展方便，所以正得到越来越多网站的采用。</a:t>
+            </a:r>
+            <a:endParaRPr kumimoji="1" lang="en-US" altLang="zh-CN" dirty="0" smtClean="0"/>
+          </a:p>
+          <a:p>
+            <a:r>
+              <a:rPr kumimoji="1" lang="en-US" altLang="zh-CN" dirty="0" err="1" smtClean="0"/>
+              <a:t>RESTful</a:t>
+            </a:r>
+            <a:r>
+              <a:rPr kumimoji="1" lang="zh-CN" altLang="en-US" dirty="0"/>
+              <a:t>的架构本意是</a:t>
+            </a:r>
+            <a:r>
+              <a:rPr kumimoji="1" lang="en-US" altLang="zh-CN" dirty="0"/>
+              <a:t>"</a:t>
+            </a:r>
+            <a:r>
+              <a:rPr kumimoji="1" lang="zh-CN" altLang="en-US" dirty="0"/>
+              <a:t>在符合架构原理的前提下，理解和评估以网络为基础的应用软件的架构设计，得到一个功能强、性能好、适宜通信的架构。</a:t>
+            </a:r>
+            <a:r>
+              <a:rPr kumimoji="1" lang="en-US" altLang="zh-CN" dirty="0"/>
+              <a:t>"</a:t>
+            </a:r>
+          </a:p>
+          <a:p>
+            <a:r>
+              <a:rPr kumimoji="1" lang="zh-CN" altLang="en-US" dirty="0"/>
+              <a:t>这个世界上规模最大的</a:t>
+            </a:r>
+            <a:r>
+              <a:rPr kumimoji="1" lang="en-US" altLang="zh-CN" dirty="0"/>
+              <a:t>, </a:t>
+            </a:r>
+            <a:r>
+              <a:rPr kumimoji="1" lang="zh-CN" altLang="en-US" dirty="0"/>
+              <a:t>耦合度最低</a:t>
+            </a:r>
+            <a:r>
+              <a:rPr kumimoji="1" lang="en-US" altLang="zh-CN" dirty="0"/>
+              <a:t>, </a:t>
+            </a:r>
+            <a:r>
+              <a:rPr kumimoji="1" lang="zh-CN" altLang="en-US" dirty="0"/>
+              <a:t>最稳定的</a:t>
+            </a:r>
+            <a:r>
+              <a:rPr kumimoji="1" lang="en-US" altLang="zh-CN" dirty="0"/>
+              <a:t>, </a:t>
+            </a:r>
+            <a:r>
+              <a:rPr kumimoji="1" lang="zh-CN" altLang="en-US" dirty="0"/>
+              <a:t>性能最好的分布式网络应用是什么</a:t>
+            </a:r>
+            <a:r>
+              <a:rPr kumimoji="1" lang="en-US" altLang="zh-CN" dirty="0"/>
+              <a:t>? </a:t>
+            </a:r>
+            <a:r>
+              <a:rPr kumimoji="1" lang="zh-CN" altLang="en-US" dirty="0"/>
+              <a:t>就是</a:t>
+            </a:r>
+            <a:r>
+              <a:rPr kumimoji="1" lang="en-US" altLang="zh-CN" dirty="0"/>
+              <a:t>WEB</a:t>
+            </a:r>
+            <a:r>
+              <a:rPr kumimoji="1" lang="zh-CN" altLang="en-US" dirty="0"/>
+              <a:t>本身</a:t>
+            </a:r>
             <a:endParaRPr kumimoji="1" lang="zh-CN" altLang="en-US" dirty="0"/>
           </a:p>
         </p:txBody>
@@ -3679,6 +4948,13 @@
   <p:clrMapOvr>
     <a:masterClrMapping/>
   </p:clrMapOvr>
+  <p:timing>
+    <p:tnLst>
+      <p:par>
+        <p:cTn xmlns:p14="http://schemas.microsoft.com/office/powerpoint/2010/main" id="1" dur="indefinite" restart="never" nodeType="tmRoot"/>
+      </p:par>
+    </p:tnLst>
+  </p:timing>
 </p:sld>
 </file>
 

--- a/doc/HTTP & Restful.pptx
+++ b/doc/HTTP & Restful.pptx
@@ -5,15 +5,17 @@
     <p:sldMasterId id="2147483648" r:id="rId1"/>
   </p:sldMasterIdLst>
   <p:notesMasterIdLst>
-    <p:notesMasterId r:id="rId8"/>
+    <p:notesMasterId r:id="rId10"/>
   </p:notesMasterIdLst>
   <p:sldIdLst>
     <p:sldId id="256" r:id="rId2"/>
-    <p:sldId id="258" r:id="rId3"/>
-    <p:sldId id="261" r:id="rId4"/>
-    <p:sldId id="262" r:id="rId5"/>
-    <p:sldId id="260" r:id="rId6"/>
-    <p:sldId id="259" r:id="rId7"/>
+    <p:sldId id="263" r:id="rId3"/>
+    <p:sldId id="258" r:id="rId4"/>
+    <p:sldId id="261" r:id="rId5"/>
+    <p:sldId id="262" r:id="rId6"/>
+    <p:sldId id="264" r:id="rId7"/>
+    <p:sldId id="260" r:id="rId8"/>
+    <p:sldId id="259" r:id="rId9"/>
   </p:sldIdLst>
   <p:sldSz cx="9144000" cy="6858000" type="screen4x3"/>
   <p:notesSz cx="6858000" cy="9144000"/>
@@ -197,7 +199,7 @@
           <a:p>
             <a:fld id="{B86859C3-2692-784F-AC34-40A9E7B69405}" type="datetimeFigureOut">
               <a:rPr kumimoji="1" lang="zh-CN" altLang="en-US" smtClean="0"/>
-              <a:t>17/2/21</a:t>
+              <a:t>17/2/22</a:t>
             </a:fld>
             <a:endParaRPr kumimoji="1" lang="zh-CN" altLang="en-US"/>
           </a:p>
@@ -623,7 +625,7 @@
     </p:spTree>
     <p:extLst>
       <p:ext uri="{BB962C8B-B14F-4D97-AF65-F5344CB8AC3E}">
-        <p14:creationId xmlns:p14="http://schemas.microsoft.com/office/powerpoint/2010/main" val="3421287220"/>
+        <p14:creationId xmlns:p14="http://schemas.microsoft.com/office/powerpoint/2010/main" val="2456670349"/>
       </p:ext>
     </p:extLst>
   </p:cSld>
@@ -677,58 +679,228 @@
           <a:bodyPr/>
           <a:lstStyle/>
           <a:p>
+            <a:pPr marL="0" marR="0" indent="0" algn="l" defTabSz="457200" rtl="0" eaLnBrk="1" fontAlgn="auto" latinLnBrk="0" hangingPunct="1">
+              <a:lnSpc>
+                <a:spcPct val="100000"/>
+              </a:lnSpc>
+              <a:spcBef>
+                <a:spcPts val="0"/>
+              </a:spcBef>
+              <a:spcAft>
+                <a:spcPts val="0"/>
+              </a:spcAft>
+              <a:buClrTx/>
+              <a:buSzTx/>
+              <a:buFontTx/>
+              <a:buNone/>
+              <a:tabLst/>
+              <a:defRPr/>
+            </a:pPr>
+            <a:r>
+              <a:rPr kumimoji="1" lang="zh-CN" altLang="en-US" sz="1200" dirty="0" smtClean="0"/>
+              <a:t>网络上的一个实体、一个具体信息。它可以是一个网页、一段文本、一张图片、一首歌曲、一种服务</a:t>
+            </a:r>
+            <a:r>
+              <a:rPr kumimoji="1" lang="en-US" altLang="zh-CN" sz="1200" dirty="0" smtClean="0"/>
+              <a:t>……</a:t>
+            </a:r>
+          </a:p>
+          <a:p>
+            <a:pPr marL="0" marR="0" indent="0" algn="l" defTabSz="457200" rtl="0" eaLnBrk="1" fontAlgn="auto" latinLnBrk="0" hangingPunct="1">
+              <a:lnSpc>
+                <a:spcPct val="100000"/>
+              </a:lnSpc>
+              <a:spcBef>
+                <a:spcPts val="0"/>
+              </a:spcBef>
+              <a:spcAft>
+                <a:spcPts val="0"/>
+              </a:spcAft>
+              <a:buClrTx/>
+              <a:buSzTx/>
+              <a:buFontTx/>
+              <a:buNone/>
+              <a:tabLst/>
+              <a:defRPr/>
+            </a:pPr>
+            <a:r>
+              <a:rPr kumimoji="1" lang="zh-CN" altLang="en-US" sz="1200" dirty="0" smtClean="0"/>
+              <a:t>用一个</a:t>
+            </a:r>
+            <a:r>
+              <a:rPr kumimoji="1" lang="en-US" altLang="zh-CN" sz="1200" dirty="0" smtClean="0"/>
+              <a:t>URI</a:t>
+            </a:r>
+            <a:r>
+              <a:rPr kumimoji="1" lang="zh-CN" altLang="en-US" sz="1200" dirty="0" smtClean="0"/>
+              <a:t>（统一资源定位符）指向它，每种资源对应一个特定的</a:t>
+            </a:r>
+            <a:r>
+              <a:rPr kumimoji="1" lang="en-US" altLang="zh-CN" sz="1200" dirty="0" smtClean="0"/>
+              <a:t>URI</a:t>
+            </a:r>
+            <a:r>
+              <a:rPr kumimoji="1" lang="zh-CN" altLang="en-US" sz="1200" dirty="0" smtClean="0"/>
+              <a:t>。要获取这个资源，访问它的</a:t>
+            </a:r>
+            <a:r>
+              <a:rPr kumimoji="1" lang="en-US" altLang="zh-CN" sz="1200" dirty="0" smtClean="0"/>
+              <a:t>URI</a:t>
+            </a:r>
+            <a:r>
+              <a:rPr kumimoji="1" lang="zh-CN" altLang="en-US" sz="1200" dirty="0" smtClean="0"/>
+              <a:t>就可以，因此</a:t>
+            </a:r>
+            <a:r>
+              <a:rPr kumimoji="1" lang="en-US" altLang="zh-CN" sz="1200" dirty="0" smtClean="0"/>
+              <a:t>URI</a:t>
+            </a:r>
+            <a:r>
+              <a:rPr kumimoji="1" lang="zh-CN" altLang="en-US" sz="1200" dirty="0" smtClean="0"/>
+              <a:t>就成了每一个资源的地址或独一无二的识别符。</a:t>
+            </a:r>
+            <a:endParaRPr kumimoji="1" lang="en-US" altLang="zh-CN" sz="1200" dirty="0" smtClean="0"/>
+          </a:p>
+          <a:p>
+            <a:pPr marL="0" marR="0" indent="0" algn="l" defTabSz="457200" rtl="0" eaLnBrk="1" fontAlgn="auto" latinLnBrk="0" hangingPunct="1">
+              <a:lnSpc>
+                <a:spcPct val="100000"/>
+              </a:lnSpc>
+              <a:spcBef>
+                <a:spcPts val="0"/>
+              </a:spcBef>
+              <a:spcAft>
+                <a:spcPts val="0"/>
+              </a:spcAft>
+              <a:buClrTx/>
+              <a:buSzTx/>
+              <a:buFontTx/>
+              <a:buNone/>
+              <a:tabLst/>
+              <a:defRPr/>
+            </a:pPr>
+            <a:endParaRPr kumimoji="1" lang="en-US" altLang="zh-CN" sz="1200" dirty="0" smtClean="0"/>
+          </a:p>
+          <a:p>
+            <a:pPr marL="0" marR="0" indent="0" algn="l" defTabSz="457200" rtl="0" eaLnBrk="1" fontAlgn="auto" latinLnBrk="0" hangingPunct="1">
+              <a:lnSpc>
+                <a:spcPct val="100000"/>
+              </a:lnSpc>
+              <a:spcBef>
+                <a:spcPts val="0"/>
+              </a:spcBef>
+              <a:spcAft>
+                <a:spcPts val="0"/>
+              </a:spcAft>
+              <a:buClrTx/>
+              <a:buSzTx/>
+              <a:buFontTx/>
+              <a:buNone/>
+              <a:tabLst/>
+              <a:defRPr/>
+            </a:pPr>
+            <a:r>
+              <a:rPr kumimoji="1" lang="zh-CN" altLang="en-US" dirty="0" smtClean="0"/>
+              <a:t>协议</a:t>
+            </a:r>
             <a:r>
               <a:rPr kumimoji="1" lang="en-US" altLang="zh-CN" dirty="0" smtClean="0"/>
-              <a:t>"</a:t>
-            </a:r>
-            <a:r>
-              <a:rPr kumimoji="1" lang="zh-CN" altLang="en-US" dirty="0" smtClean="0"/>
-              <a:t>私人资源</a:t>
+              <a:t> + IP + </a:t>
+            </a:r>
+            <a:r>
+              <a:rPr kumimoji="1" lang="zh-CN" altLang="en-US" dirty="0" smtClean="0"/>
+              <a:t>端口</a:t>
             </a:r>
             <a:r>
               <a:rPr kumimoji="1" lang="en-US" altLang="zh-CN" dirty="0" smtClean="0"/>
-              <a:t>"</a:t>
-            </a:r>
-            <a:r>
-              <a:rPr kumimoji="1" lang="zh-CN" altLang="en-US" dirty="0" smtClean="0"/>
-              <a:t>：是属于某一个用户所有的资源，只有用户本人才能操作，其他用户不能操作。例如用户的个人信息、订单、收货地址等等。</a:t>
-            </a:r>
-          </a:p>
-          <a:p>
+              <a:t> + </a:t>
+            </a:r>
+            <a:r>
+              <a:rPr kumimoji="1" lang="zh-CN" altLang="en-US" dirty="0" smtClean="0"/>
+              <a:t>路径</a:t>
+            </a:r>
+            <a:endParaRPr kumimoji="1" lang="en-US" altLang="zh-CN" dirty="0" smtClean="0"/>
+          </a:p>
+          <a:p>
+            <a:pPr marL="0" marR="0" indent="0" algn="l" defTabSz="457200" rtl="0" eaLnBrk="1" fontAlgn="auto" latinLnBrk="0" hangingPunct="1">
+              <a:lnSpc>
+                <a:spcPct val="100000"/>
+              </a:lnSpc>
+              <a:spcBef>
+                <a:spcPts val="0"/>
+              </a:spcBef>
+              <a:spcAft>
+                <a:spcPts val="0"/>
+              </a:spcAft>
+              <a:buClrTx/>
+              <a:buSzTx/>
+              <a:buFontTx/>
+              <a:buNone/>
+              <a:tabLst/>
+              <a:defRPr/>
+            </a:pPr>
+            <a:r>
+              <a:rPr kumimoji="1" lang="zh-CN" altLang="en-US" dirty="0" smtClean="0"/>
+              <a:t>门牌 </a:t>
+            </a:r>
             <a:r>
               <a:rPr kumimoji="1" lang="en-US" altLang="zh-CN" dirty="0" smtClean="0"/>
-              <a:t>"</a:t>
-            </a:r>
-            <a:r>
-              <a:rPr kumimoji="1" lang="zh-CN" altLang="en-US" dirty="0" smtClean="0"/>
-              <a:t>角色资源</a:t>
+              <a:t>+</a:t>
+            </a:r>
+            <a:r>
+              <a:rPr kumimoji="1" lang="zh-CN" altLang="en-US" dirty="0" smtClean="0"/>
+              <a:t> 房间号 </a:t>
             </a:r>
             <a:r>
               <a:rPr kumimoji="1" lang="en-US" altLang="zh-CN" dirty="0" smtClean="0"/>
-              <a:t>"</a:t>
-            </a:r>
-            <a:r>
-              <a:rPr kumimoji="1" lang="zh-CN" altLang="en-US" dirty="0" smtClean="0"/>
-              <a:t>：与私人资源不同，角色资源范畴更大，一个角色可以对应多个人，也就是一群人。如果给某角色分配了权限，那么只有身为该角色的用户才能拥有这些权限。例如系统资源只能够管理员操作，一般用户不能操作。</a:t>
-            </a:r>
-          </a:p>
-          <a:p>
-            <a:r>
-              <a:rPr kumimoji="1" lang="en-US" altLang="zh-CN" dirty="0" smtClean="0"/>
-              <a:t>"</a:t>
-            </a:r>
-            <a:r>
-              <a:rPr kumimoji="1" lang="zh-CN" altLang="en-US" dirty="0" smtClean="0"/>
-              <a:t>公共资源</a:t>
-            </a:r>
-            <a:r>
-              <a:rPr kumimoji="1" lang="en-US" altLang="zh-CN" dirty="0" smtClean="0"/>
-              <a:t>"</a:t>
-            </a:r>
-            <a:r>
-              <a:rPr kumimoji="1" lang="zh-CN" altLang="en-US" dirty="0" smtClean="0"/>
-              <a:t>：所有人无论角色都能够访问并操作的资源。</a:t>
-            </a:r>
+              <a:t>+</a:t>
+            </a:r>
+            <a:r>
+              <a:rPr kumimoji="1" lang="zh-CN" altLang="en-US" dirty="0" smtClean="0"/>
+              <a:t> 位置</a:t>
+            </a:r>
+          </a:p>
+          <a:p>
+            <a:pPr marL="0" marR="0" indent="0" algn="l" defTabSz="457200" rtl="0" eaLnBrk="1" fontAlgn="auto" latinLnBrk="0" hangingPunct="1">
+              <a:lnSpc>
+                <a:spcPct val="100000"/>
+              </a:lnSpc>
+              <a:spcBef>
+                <a:spcPts val="0"/>
+              </a:spcBef>
+              <a:spcAft>
+                <a:spcPts val="0"/>
+              </a:spcAft>
+              <a:buClrTx/>
+              <a:buSzTx/>
+              <a:buFontTx/>
+              <a:buNone/>
+              <a:tabLst/>
+              <a:defRPr/>
+            </a:pPr>
+            <a:endParaRPr kumimoji="1" lang="zh-CN" altLang="en-US" dirty="0" smtClean="0"/>
+          </a:p>
+          <a:p>
+            <a:pPr marL="0" marR="0" indent="0" algn="l" defTabSz="457200" rtl="0" eaLnBrk="1" fontAlgn="auto" latinLnBrk="0" hangingPunct="1">
+              <a:lnSpc>
+                <a:spcPct val="100000"/>
+              </a:lnSpc>
+              <a:spcBef>
+                <a:spcPts val="0"/>
+              </a:spcBef>
+              <a:spcAft>
+                <a:spcPts val="0"/>
+              </a:spcAft>
+              <a:buClrTx/>
+              <a:buSzTx/>
+              <a:buFontTx/>
+              <a:buNone/>
+              <a:tabLst/>
+              <a:defRPr/>
+            </a:pPr>
+            <a:endParaRPr kumimoji="1" lang="en-US" altLang="zh-CN" sz="1200" dirty="0" smtClean="0"/>
+          </a:p>
+          <a:p>
             <a:endParaRPr kumimoji="1" lang="zh-CN" altLang="en-US" dirty="0"/>
           </a:p>
         </p:txBody>
@@ -759,7 +931,7 @@
     </p:spTree>
     <p:extLst>
       <p:ext uri="{BB962C8B-B14F-4D97-AF65-F5344CB8AC3E}">
-        <p14:creationId xmlns:p14="http://schemas.microsoft.com/office/powerpoint/2010/main" val="3270191463"/>
+        <p14:creationId xmlns:p14="http://schemas.microsoft.com/office/powerpoint/2010/main" val="3421287220"/>
       </p:ext>
     </p:extLst>
   </p:cSld>
@@ -814,106 +986,57 @@
           <a:lstStyle/>
           <a:p>
             <a:r>
-              <a:rPr kumimoji="1" lang="en-US" altLang="zh-CN" dirty="0" err="1" smtClean="0"/>
-              <a:t>SessionAuthPolicy</a:t>
-            </a:r>
-            <a:r>
-              <a:rPr kumimoji="1" lang="zh-CN" altLang="en-US" dirty="0" smtClean="0"/>
-              <a:t>：</a:t>
-            </a:r>
-            <a:r>
-              <a:rPr kumimoji="1" lang="zh-CN" altLang="en-US" dirty="0" smtClean="0"/>
-              <a:t> </a:t>
-            </a:r>
-            <a:r>
-              <a:rPr kumimoji="1" lang="zh-CN" altLang="en-US" dirty="0" smtClean="0"/>
-              <a:t>检测用户是否已经登录，用户登录是进行下面检测的前提。</a:t>
-            </a:r>
-          </a:p>
-          <a:p>
-            <a:r>
-              <a:rPr kumimoji="1" lang="en-US" altLang="zh-CN" dirty="0" err="1" smtClean="0"/>
-              <a:t>SourcePolicy</a:t>
-            </a:r>
-            <a:r>
-              <a:rPr kumimoji="1" lang="zh-CN" altLang="en-US" dirty="0" smtClean="0"/>
-              <a:t>：</a:t>
-            </a:r>
-            <a:r>
-              <a:rPr kumimoji="1" lang="zh-CN" altLang="en-US" dirty="0" smtClean="0"/>
-              <a:t> </a:t>
-            </a:r>
-            <a:r>
-              <a:rPr kumimoji="1" lang="zh-CN" altLang="en-US" dirty="0" smtClean="0"/>
-              <a:t>检测访问的资源是否存在，主要检测</a:t>
-            </a:r>
-            <a:r>
               <a:rPr kumimoji="1" lang="en-US" altLang="zh-CN" dirty="0" smtClean="0"/>
-              <a:t>Source</a:t>
-            </a:r>
-            <a:r>
-              <a:rPr kumimoji="1" lang="zh-CN" altLang="en-US" dirty="0" smtClean="0"/>
-              <a:t>表的记录</a:t>
-            </a:r>
-          </a:p>
-          <a:p>
-            <a:r>
-              <a:rPr kumimoji="1" lang="en-US" altLang="zh-CN" dirty="0" err="1" smtClean="0"/>
-              <a:t>PermissionPolicy</a:t>
-            </a:r>
-            <a:r>
-              <a:rPr kumimoji="1" lang="zh-CN" altLang="en-US" dirty="0" smtClean="0"/>
-              <a:t>：检测该用户所属的角色，是否有对所访问资源进行对应操作的权限。</a:t>
-            </a:r>
-          </a:p>
-          <a:p>
-            <a:r>
-              <a:rPr kumimoji="1" lang="en-US" altLang="zh-CN" dirty="0" err="1" smtClean="0"/>
-              <a:t>OwnerPolicy</a:t>
-            </a:r>
-            <a:r>
-              <a:rPr kumimoji="1" lang="zh-CN" altLang="en-US" smtClean="0"/>
-              <a:t>：</a:t>
-            </a:r>
-            <a:r>
-              <a:rPr kumimoji="1" lang="zh-CN" altLang="en-US" smtClean="0"/>
-              <a:t> </a:t>
-            </a:r>
-            <a:r>
-              <a:rPr kumimoji="1" lang="zh-CN" altLang="en-US" smtClean="0"/>
-              <a:t>如果所访问</a:t>
-            </a:r>
-            <a:r>
-              <a:rPr kumimoji="1" lang="zh-CN" altLang="en-US" dirty="0" smtClean="0"/>
-              <a:t>的资源属于私人资源，则检测当前用户是否该资源的拥有者。</a:t>
-            </a:r>
-          </a:p>
-          <a:p>
-            <a:r>
-              <a:rPr kumimoji="1" lang="zh-CN" altLang="en-US" dirty="0" smtClean="0"/>
-              <a:t>如果通过所有</a:t>
+              <a:t>"</a:t>
+            </a:r>
+            <a:r>
+              <a:rPr kumimoji="1" lang="zh-CN" altLang="en-US" dirty="0" smtClean="0"/>
+              <a:t>私人资源</a:t>
             </a:r>
             <a:r>
               <a:rPr kumimoji="1" lang="en-US" altLang="zh-CN" dirty="0" smtClean="0"/>
-              <a:t>policy</a:t>
-            </a:r>
-            <a:r>
-              <a:rPr kumimoji="1" lang="zh-CN" altLang="en-US" dirty="0" smtClean="0"/>
-              <a:t>的检测，则把请求转发到目标</a:t>
-            </a:r>
+              <a:t>"</a:t>
+            </a:r>
+            <a:r>
+              <a:rPr kumimoji="1" lang="zh-CN" altLang="en-US" dirty="0" smtClean="0"/>
+              <a:t>：是属于某一个用户所有的资源，只有用户本人才能操作，其他用户不能操作。例如用户的个人信息、订单、收货地址等等。</a:t>
+            </a:r>
+          </a:p>
+          <a:p>
             <a:r>
               <a:rPr kumimoji="1" lang="en-US" altLang="zh-CN" dirty="0" smtClean="0"/>
-              <a:t>action</a:t>
-            </a:r>
-            <a:r>
-              <a:rPr kumimoji="1" lang="zh-CN" altLang="en-US" dirty="0" smtClean="0"/>
-              <a:t>。</a:t>
-            </a:r>
-          </a:p>
-          <a:p>
-            <a:endParaRPr kumimoji="1" lang="zh-CN" altLang="en-US" dirty="0" smtClean="0"/>
-          </a:p>
-          <a:p>
+              <a:t>"</a:t>
+            </a:r>
+            <a:r>
+              <a:rPr kumimoji="1" lang="zh-CN" altLang="en-US" dirty="0" smtClean="0"/>
+              <a:t>角色资源</a:t>
+            </a:r>
+            <a:r>
+              <a:rPr kumimoji="1" lang="en-US" altLang="zh-CN" dirty="0" smtClean="0"/>
+              <a:t>"</a:t>
+            </a:r>
+            <a:r>
+              <a:rPr kumimoji="1" lang="zh-CN" altLang="en-US" dirty="0" smtClean="0"/>
+              <a:t>：与私人资源不同，角色资源范畴更大，一个角色可以对应多个人，也就是一群人。如果给某角色分配了权限，那么只有身为该角色的用户才能拥有这些权限。例如系统资源只能够管理员操作，一般用户不能操作。</a:t>
+            </a:r>
+          </a:p>
+          <a:p>
+            <a:r>
+              <a:rPr kumimoji="1" lang="en-US" altLang="zh-CN" dirty="0" smtClean="0"/>
+              <a:t>"</a:t>
+            </a:r>
+            <a:r>
+              <a:rPr kumimoji="1" lang="zh-CN" altLang="en-US" dirty="0" smtClean="0"/>
+              <a:t>公共资源</a:t>
+            </a:r>
+            <a:r>
+              <a:rPr kumimoji="1" lang="en-US" altLang="zh-CN" dirty="0" smtClean="0"/>
+              <a:t>"</a:t>
+            </a:r>
+            <a:r>
+              <a:rPr kumimoji="1" lang="zh-CN" altLang="en-US" dirty="0" smtClean="0"/>
+              <a:t>：所有人无论角色都能够访问并操作的资源。</a:t>
+            </a:r>
             <a:endParaRPr kumimoji="1" lang="zh-CN" altLang="en-US" dirty="0"/>
           </a:p>
         </p:txBody>
@@ -944,7 +1067,7 @@
     </p:spTree>
     <p:extLst>
       <p:ext uri="{BB962C8B-B14F-4D97-AF65-F5344CB8AC3E}">
-        <p14:creationId xmlns:p14="http://schemas.microsoft.com/office/powerpoint/2010/main" val="3723075792"/>
+        <p14:creationId xmlns:p14="http://schemas.microsoft.com/office/powerpoint/2010/main" val="3270191463"/>
       </p:ext>
     </p:extLst>
   </p:cSld>
@@ -999,6 +1122,283 @@
           <a:lstStyle/>
           <a:p>
             <a:r>
+              <a:rPr kumimoji="1" lang="en-US" altLang="zh-CN" dirty="0" err="1" smtClean="0"/>
+              <a:t>SessionAuthPolicy</a:t>
+            </a:r>
+            <a:r>
+              <a:rPr kumimoji="1" lang="zh-CN" altLang="en-US" dirty="0" smtClean="0"/>
+              <a:t>： 检测用户是否已经登录，用户登录是进行下面检测的前提。</a:t>
+            </a:r>
+          </a:p>
+          <a:p>
+            <a:r>
+              <a:rPr kumimoji="1" lang="en-US" altLang="zh-CN" dirty="0" err="1" smtClean="0"/>
+              <a:t>SourcePolicy</a:t>
+            </a:r>
+            <a:r>
+              <a:rPr kumimoji="1" lang="zh-CN" altLang="en-US" dirty="0" smtClean="0"/>
+              <a:t>： 检测访问的资源是否存在，主要检测</a:t>
+            </a:r>
+            <a:r>
+              <a:rPr kumimoji="1" lang="en-US" altLang="zh-CN" dirty="0" smtClean="0"/>
+              <a:t>Source</a:t>
+            </a:r>
+            <a:r>
+              <a:rPr kumimoji="1" lang="zh-CN" altLang="en-US" dirty="0" smtClean="0"/>
+              <a:t>表的记录</a:t>
+            </a:r>
+          </a:p>
+          <a:p>
+            <a:r>
+              <a:rPr kumimoji="1" lang="en-US" altLang="zh-CN" dirty="0" err="1" smtClean="0"/>
+              <a:t>PermissionPolicy</a:t>
+            </a:r>
+            <a:r>
+              <a:rPr kumimoji="1" lang="zh-CN" altLang="en-US" dirty="0" smtClean="0"/>
+              <a:t>：检测该用户所属的角色，是否有对所访问资源进行对应操作的权限。</a:t>
+            </a:r>
+          </a:p>
+          <a:p>
+            <a:r>
+              <a:rPr kumimoji="1" lang="en-US" altLang="zh-CN" dirty="0" err="1" smtClean="0"/>
+              <a:t>OwnerPolicy</a:t>
+            </a:r>
+            <a:r>
+              <a:rPr kumimoji="1" lang="zh-CN" altLang="en-US" smtClean="0"/>
+              <a:t>： 如果所访问</a:t>
+            </a:r>
+            <a:r>
+              <a:rPr kumimoji="1" lang="zh-CN" altLang="en-US" dirty="0" smtClean="0"/>
+              <a:t>的资源属于私人资源，则检测当前用户是否该资源的拥有者。</a:t>
+            </a:r>
+          </a:p>
+          <a:p>
+            <a:r>
+              <a:rPr kumimoji="1" lang="zh-CN" altLang="en-US" dirty="0" smtClean="0"/>
+              <a:t>如果通过所有</a:t>
+            </a:r>
+            <a:r>
+              <a:rPr kumimoji="1" lang="en-US" altLang="zh-CN" dirty="0" smtClean="0"/>
+              <a:t>policy</a:t>
+            </a:r>
+            <a:r>
+              <a:rPr kumimoji="1" lang="zh-CN" altLang="en-US" dirty="0" smtClean="0"/>
+              <a:t>的检测，则把请求转发到目标</a:t>
+            </a:r>
+            <a:r>
+              <a:rPr kumimoji="1" lang="en-US" altLang="zh-CN" dirty="0" smtClean="0"/>
+              <a:t>action</a:t>
+            </a:r>
+            <a:r>
+              <a:rPr kumimoji="1" lang="zh-CN" altLang="en-US" dirty="0" smtClean="0"/>
+              <a:t>。</a:t>
+            </a:r>
+          </a:p>
+          <a:p>
+            <a:endParaRPr kumimoji="1" lang="zh-CN" altLang="en-US" dirty="0" smtClean="0"/>
+          </a:p>
+          <a:p>
+            <a:endParaRPr kumimoji="1" lang="zh-CN" altLang="en-US" dirty="0"/>
+          </a:p>
+        </p:txBody>
+      </p:sp>
+      <p:sp>
+        <p:nvSpPr>
+          <p:cNvPr id="4" name="幻灯片编号占位符 3"/>
+          <p:cNvSpPr>
+            <a:spLocks noGrp="1"/>
+          </p:cNvSpPr>
+          <p:nvPr>
+            <p:ph type="sldNum" sz="quarter" idx="10"/>
+          </p:nvPr>
+        </p:nvSpPr>
+        <p:spPr/>
+        <p:txBody>
+          <a:bodyPr/>
+          <a:lstStyle/>
+          <a:p>
+            <a:fld id="{30E5BD0C-2667-BA41-90C5-58CB9DE5FD83}" type="slidenum">
+              <a:rPr kumimoji="1" lang="zh-CN" altLang="en-US" smtClean="0"/>
+              <a:t>5</a:t>
+            </a:fld>
+            <a:endParaRPr kumimoji="1" lang="zh-CN" altLang="en-US"/>
+          </a:p>
+        </p:txBody>
+      </p:sp>
+    </p:spTree>
+    <p:extLst>
+      <p:ext uri="{BB962C8B-B14F-4D97-AF65-F5344CB8AC3E}">
+        <p14:creationId xmlns:p14="http://schemas.microsoft.com/office/powerpoint/2010/main" val="3723075792"/>
+      </p:ext>
+    </p:extLst>
+  </p:cSld>
+  <p:clrMapOvr>
+    <a:masterClrMapping/>
+  </p:clrMapOvr>
+</p:notes>
+</file>
+
+<file path=ppt/notesSlides/notesSlide6.xml><?xml version="1.0" encoding="utf-8"?>
+<p:notes xmlns:a="http://schemas.openxmlformats.org/drawingml/2006/main" xmlns:r="http://schemas.openxmlformats.org/officeDocument/2006/relationships" xmlns:p="http://schemas.openxmlformats.org/presentationml/2006/main">
+  <p:cSld>
+    <p:spTree>
+      <p:nvGrpSpPr>
+        <p:cNvPr id="1" name=""/>
+        <p:cNvGrpSpPr/>
+        <p:nvPr/>
+      </p:nvGrpSpPr>
+      <p:grpSpPr>
+        <a:xfrm>
+          <a:off x="0" y="0"/>
+          <a:ext cx="0" cy="0"/>
+          <a:chOff x="0" y="0"/>
+          <a:chExt cx="0" cy="0"/>
+        </a:xfrm>
+      </p:grpSpPr>
+      <p:sp>
+        <p:nvSpPr>
+          <p:cNvPr id="2" name="幻灯片图像占位符 1"/>
+          <p:cNvSpPr>
+            <a:spLocks noGrp="1" noRot="1" noChangeAspect="1"/>
+          </p:cNvSpPr>
+          <p:nvPr>
+            <p:ph type="sldImg"/>
+          </p:nvPr>
+        </p:nvSpPr>
+        <p:spPr/>
+      </p:sp>
+      <p:sp>
+        <p:nvSpPr>
+          <p:cNvPr id="3" name="备注占位符 2"/>
+          <p:cNvSpPr>
+            <a:spLocks noGrp="1"/>
+          </p:cNvSpPr>
+          <p:nvPr>
+            <p:ph type="body" idx="1"/>
+          </p:nvPr>
+        </p:nvSpPr>
+        <p:spPr/>
+        <p:txBody>
+          <a:bodyPr/>
+          <a:lstStyle/>
+          <a:p>
+            <a:r>
+              <a:rPr kumimoji="1" lang="en-US" altLang="zh-CN" dirty="0" err="1" smtClean="0"/>
+              <a:t>RESTful</a:t>
+            </a:r>
+            <a:r>
+              <a:rPr kumimoji="1" lang="zh-CN" altLang="en-US" dirty="0" smtClean="0"/>
+              <a:t>的关键是定义可表示流程元素</a:t>
+            </a:r>
+            <a:r>
+              <a:rPr kumimoji="1" lang="en-US" altLang="zh-CN" dirty="0" smtClean="0"/>
+              <a:t>/</a:t>
+            </a:r>
+            <a:r>
+              <a:rPr kumimoji="1" lang="zh-CN" altLang="en-US" dirty="0" smtClean="0"/>
+              <a:t>资源的对象。在</a:t>
+            </a:r>
+            <a:r>
+              <a:rPr kumimoji="1" lang="en-US" altLang="zh-CN" dirty="0" smtClean="0"/>
+              <a:t>REST</a:t>
+            </a:r>
+            <a:r>
+              <a:rPr kumimoji="1" lang="zh-CN" altLang="en-US" dirty="0" smtClean="0"/>
+              <a:t>中，每一个对象都是通过</a:t>
+            </a:r>
+            <a:r>
+              <a:rPr kumimoji="1" lang="en-US" altLang="zh-CN" dirty="0" smtClean="0"/>
+              <a:t>URL</a:t>
+            </a:r>
+            <a:r>
+              <a:rPr kumimoji="1" lang="zh-CN" altLang="en-US" dirty="0" smtClean="0"/>
+              <a:t>来表示的，对象用户负责将状态信息打包进每一条消息内，以便对象的处理总是无状态的。</a:t>
+            </a:r>
+            <a:endParaRPr kumimoji="1" lang="zh-CN" altLang="en-US" dirty="0"/>
+          </a:p>
+        </p:txBody>
+      </p:sp>
+      <p:sp>
+        <p:nvSpPr>
+          <p:cNvPr id="4" name="幻灯片编号占位符 3"/>
+          <p:cNvSpPr>
+            <a:spLocks noGrp="1"/>
+          </p:cNvSpPr>
+          <p:nvPr>
+            <p:ph type="sldNum" sz="quarter" idx="10"/>
+          </p:nvPr>
+        </p:nvSpPr>
+        <p:spPr/>
+        <p:txBody>
+          <a:bodyPr/>
+          <a:lstStyle/>
+          <a:p>
+            <a:fld id="{30E5BD0C-2667-BA41-90C5-58CB9DE5FD83}" type="slidenum">
+              <a:rPr kumimoji="1" lang="zh-CN" altLang="en-US" smtClean="0"/>
+              <a:t>7</a:t>
+            </a:fld>
+            <a:endParaRPr kumimoji="1" lang="zh-CN" altLang="en-US"/>
+          </a:p>
+        </p:txBody>
+      </p:sp>
+    </p:spTree>
+    <p:extLst>
+      <p:ext uri="{BB962C8B-B14F-4D97-AF65-F5344CB8AC3E}">
+        <p14:creationId xmlns:p14="http://schemas.microsoft.com/office/powerpoint/2010/main" val="731551319"/>
+      </p:ext>
+    </p:extLst>
+  </p:cSld>
+  <p:clrMapOvr>
+    <a:masterClrMapping/>
+  </p:clrMapOvr>
+</p:notes>
+</file>
+
+<file path=ppt/notesSlides/notesSlide7.xml><?xml version="1.0" encoding="utf-8"?>
+<p:notes xmlns:a="http://schemas.openxmlformats.org/drawingml/2006/main" xmlns:r="http://schemas.openxmlformats.org/officeDocument/2006/relationships" xmlns:p="http://schemas.openxmlformats.org/presentationml/2006/main">
+  <p:cSld>
+    <p:spTree>
+      <p:nvGrpSpPr>
+        <p:cNvPr id="1" name=""/>
+        <p:cNvGrpSpPr/>
+        <p:nvPr/>
+      </p:nvGrpSpPr>
+      <p:grpSpPr>
+        <a:xfrm>
+          <a:off x="0" y="0"/>
+          <a:ext cx="0" cy="0"/>
+          <a:chOff x="0" y="0"/>
+          <a:chExt cx="0" cy="0"/>
+        </a:xfrm>
+      </p:grpSpPr>
+      <p:sp>
+        <p:nvSpPr>
+          <p:cNvPr id="2" name="幻灯片图像占位符 1"/>
+          <p:cNvSpPr>
+            <a:spLocks noGrp="1" noRot="1" noChangeAspect="1"/>
+          </p:cNvSpPr>
+          <p:nvPr>
+            <p:ph type="sldImg"/>
+          </p:nvPr>
+        </p:nvSpPr>
+        <p:spPr/>
+      </p:sp>
+      <p:sp>
+        <p:nvSpPr>
+          <p:cNvPr id="3" name="备注占位符 2"/>
+          <p:cNvSpPr>
+            <a:spLocks noGrp="1"/>
+          </p:cNvSpPr>
+          <p:nvPr>
+            <p:ph type="body" idx="1"/>
+          </p:nvPr>
+        </p:nvSpPr>
+        <p:spPr/>
+        <p:txBody>
+          <a:bodyPr/>
+          <a:lstStyle/>
+          <a:p>
+            <a:r>
               <a:rPr kumimoji="1" lang="zh-CN" altLang="en-US" dirty="0" smtClean="0"/>
               <a:t>想一想每个人上网的经历</a:t>
             </a:r>
@@ -1167,7 +1567,7 @@
           <a:p>
             <a:fld id="{30E5BD0C-2667-BA41-90C5-58CB9DE5FD83}" type="slidenum">
               <a:rPr kumimoji="1" lang="zh-CN" altLang="en-US" smtClean="0"/>
-              <a:t>6</a:t>
+              <a:t>8</a:t>
             </a:fld>
             <a:endParaRPr kumimoji="1" lang="zh-CN" altLang="en-US"/>
           </a:p>
@@ -1367,7 +1767,7 @@
           <a:p>
             <a:fld id="{D7B12BEA-236C-5749-AF49-060B228B08C5}" type="datetimeFigureOut">
               <a:rPr kumimoji="1" lang="zh-CN" altLang="en-US" smtClean="0"/>
-              <a:t>17/2/21</a:t>
+              <a:t>17/2/22</a:t>
             </a:fld>
             <a:endParaRPr kumimoji="1" lang="zh-CN" altLang="en-US"/>
           </a:p>
@@ -1537,7 +1937,7 @@
           <a:p>
             <a:fld id="{D7B12BEA-236C-5749-AF49-060B228B08C5}" type="datetimeFigureOut">
               <a:rPr kumimoji="1" lang="zh-CN" altLang="en-US" smtClean="0"/>
-              <a:t>17/2/21</a:t>
+              <a:t>17/2/22</a:t>
             </a:fld>
             <a:endParaRPr kumimoji="1" lang="zh-CN" altLang="en-US"/>
           </a:p>
@@ -1717,7 +2117,7 @@
           <a:p>
             <a:fld id="{D7B12BEA-236C-5749-AF49-060B228B08C5}" type="datetimeFigureOut">
               <a:rPr kumimoji="1" lang="zh-CN" altLang="en-US" smtClean="0"/>
-              <a:t>17/2/21</a:t>
+              <a:t>17/2/22</a:t>
             </a:fld>
             <a:endParaRPr kumimoji="1" lang="zh-CN" altLang="en-US"/>
           </a:p>
@@ -1887,7 +2287,7 @@
           <a:p>
             <a:fld id="{D7B12BEA-236C-5749-AF49-060B228B08C5}" type="datetimeFigureOut">
               <a:rPr kumimoji="1" lang="zh-CN" altLang="en-US" smtClean="0"/>
-              <a:t>17/2/21</a:t>
+              <a:t>17/2/22</a:t>
             </a:fld>
             <a:endParaRPr kumimoji="1" lang="zh-CN" altLang="en-US"/>
           </a:p>
@@ -2133,7 +2533,7 @@
           <a:p>
             <a:fld id="{D7B12BEA-236C-5749-AF49-060B228B08C5}" type="datetimeFigureOut">
               <a:rPr kumimoji="1" lang="zh-CN" altLang="en-US" smtClean="0"/>
-              <a:t>17/2/21</a:t>
+              <a:t>17/2/22</a:t>
             </a:fld>
             <a:endParaRPr kumimoji="1" lang="zh-CN" altLang="en-US"/>
           </a:p>
@@ -2421,7 +2821,7 @@
           <a:p>
             <a:fld id="{D7B12BEA-236C-5749-AF49-060B228B08C5}" type="datetimeFigureOut">
               <a:rPr kumimoji="1" lang="zh-CN" altLang="en-US" smtClean="0"/>
-              <a:t>17/2/21</a:t>
+              <a:t>17/2/22</a:t>
             </a:fld>
             <a:endParaRPr kumimoji="1" lang="zh-CN" altLang="en-US"/>
           </a:p>
@@ -2843,7 +3243,7 @@
           <a:p>
             <a:fld id="{D7B12BEA-236C-5749-AF49-060B228B08C5}" type="datetimeFigureOut">
               <a:rPr kumimoji="1" lang="zh-CN" altLang="en-US" smtClean="0"/>
-              <a:t>17/2/21</a:t>
+              <a:t>17/2/22</a:t>
             </a:fld>
             <a:endParaRPr kumimoji="1" lang="zh-CN" altLang="en-US"/>
           </a:p>
@@ -2961,7 +3361,7 @@
           <a:p>
             <a:fld id="{D7B12BEA-236C-5749-AF49-060B228B08C5}" type="datetimeFigureOut">
               <a:rPr kumimoji="1" lang="zh-CN" altLang="en-US" smtClean="0"/>
-              <a:t>17/2/21</a:t>
+              <a:t>17/2/22</a:t>
             </a:fld>
             <a:endParaRPr kumimoji="1" lang="zh-CN" altLang="en-US"/>
           </a:p>
@@ -3056,7 +3456,7 @@
           <a:p>
             <a:fld id="{D7B12BEA-236C-5749-AF49-060B228B08C5}" type="datetimeFigureOut">
               <a:rPr kumimoji="1" lang="zh-CN" altLang="en-US" smtClean="0"/>
-              <a:t>17/2/21</a:t>
+              <a:t>17/2/22</a:t>
             </a:fld>
             <a:endParaRPr kumimoji="1" lang="zh-CN" altLang="en-US"/>
           </a:p>
@@ -3333,7 +3733,7 @@
           <a:p>
             <a:fld id="{D7B12BEA-236C-5749-AF49-060B228B08C5}" type="datetimeFigureOut">
               <a:rPr kumimoji="1" lang="zh-CN" altLang="en-US" smtClean="0"/>
-              <a:t>17/2/21</a:t>
+              <a:t>17/2/22</a:t>
             </a:fld>
             <a:endParaRPr kumimoji="1" lang="zh-CN" altLang="en-US"/>
           </a:p>
@@ -3586,7 +3986,7 @@
           <a:p>
             <a:fld id="{D7B12BEA-236C-5749-AF49-060B228B08C5}" type="datetimeFigureOut">
               <a:rPr kumimoji="1" lang="zh-CN" altLang="en-US" smtClean="0"/>
-              <a:t>17/2/21</a:t>
+              <a:t>17/2/22</a:t>
             </a:fld>
             <a:endParaRPr kumimoji="1" lang="zh-CN" altLang="en-US"/>
           </a:p>
@@ -3799,7 +4199,7 @@
           <a:p>
             <a:fld id="{D7B12BEA-236C-5749-AF49-060B228B08C5}" type="datetimeFigureOut">
               <a:rPr kumimoji="1" lang="zh-CN" altLang="en-US" smtClean="0"/>
-              <a:t>17/2/21</a:t>
+              <a:t>17/2/22</a:t>
             </a:fld>
             <a:endParaRPr kumimoji="1" lang="zh-CN" altLang="en-US"/>
           </a:p>
@@ -4304,8 +4704,12 @@
           <a:lstStyle/>
           <a:p>
             <a:r>
-              <a:rPr kumimoji="1" lang="zh-CN" altLang="en-US" dirty="0" smtClean="0"/>
-              <a:t>什么是资源</a:t>
+              <a:rPr kumimoji="1" lang="en-US" altLang="zh-CN" dirty="0" smtClean="0"/>
+              <a:t>HTTP --- </a:t>
+            </a:r>
+            <a:r>
+              <a:rPr kumimoji="1" lang="zh-CN" altLang="en-US" dirty="0" smtClean="0"/>
+              <a:t>因特网的多媒体信使</a:t>
             </a:r>
             <a:endParaRPr kumimoji="1" lang="zh-CN" altLang="en-US" dirty="0"/>
           </a:p>
@@ -4321,92 +4725,81 @@
             <p:ph idx="1"/>
           </p:nvPr>
         </p:nvSpPr>
-        <p:spPr>
-          <a:xfrm>
-            <a:off x="457200" y="1417639"/>
-            <a:ext cx="8229600" cy="2082724"/>
-          </a:xfrm>
-        </p:spPr>
+        <p:spPr/>
         <p:txBody>
           <a:bodyPr>
-            <a:normAutofit fontScale="92500" lnSpcReduction="10000"/>
+            <a:normAutofit/>
           </a:bodyPr>
           <a:lstStyle/>
           <a:p>
-            <a:pPr marL="0" indent="0">
-              <a:buNone/>
-            </a:pPr>
             <a:r>
               <a:rPr kumimoji="1" lang="zh-CN" altLang="en-US" sz="2400" dirty="0" smtClean="0"/>
-              <a:t>网络</a:t>
-            </a:r>
-            <a:r>
-              <a:rPr kumimoji="1" lang="zh-CN" altLang="en-US" sz="2400" dirty="0"/>
-              <a:t>上的一个实体，或者说是网络上的一个具体信息。它可以是一段文本、一张图片、一首歌曲、一种服务，总之就是一个具体的实在</a:t>
+              <a:t>可靠的传输协议</a:t>
+            </a:r>
+            <a:endParaRPr kumimoji="1" lang="en-US" altLang="zh-CN" sz="2400" dirty="0" smtClean="0"/>
+          </a:p>
+          <a:p>
+            <a:r>
+              <a:rPr kumimoji="1" lang="en-US" altLang="zh-CN" sz="2400" dirty="0" smtClean="0"/>
+              <a:t>Web</a:t>
             </a:r>
             <a:r>
               <a:rPr kumimoji="1" lang="zh-CN" altLang="en-US" sz="2400" dirty="0" smtClean="0"/>
-              <a:t>。</a:t>
-            </a:r>
-            <a:endParaRPr kumimoji="1" lang="en-US" altLang="zh-CN" sz="2400" dirty="0"/>
-          </a:p>
-          <a:p>
-            <a:pPr marL="0" indent="0">
-              <a:buNone/>
-            </a:pPr>
+              <a:t>客户端与服务器如何通信</a:t>
+            </a:r>
+            <a:endParaRPr kumimoji="1" lang="en-US" altLang="zh-CN" sz="2400" dirty="0" smtClean="0"/>
+          </a:p>
+          <a:p>
             <a:r>
               <a:rPr kumimoji="1" lang="zh-CN" altLang="en-US" sz="2400" dirty="0" smtClean="0"/>
-              <a:t>用一个</a:t>
-            </a:r>
-            <a:r>
-              <a:rPr kumimoji="1" lang="en-US" altLang="zh-CN" sz="2400" dirty="0"/>
-              <a:t>URI</a:t>
-            </a:r>
-            <a:r>
-              <a:rPr kumimoji="1" lang="zh-CN" altLang="en-US" sz="2400" dirty="0"/>
-              <a:t>（统一资源定位符）指向它，每种资源对应一个特定的</a:t>
-            </a:r>
-            <a:r>
-              <a:rPr kumimoji="1" lang="en-US" altLang="zh-CN" sz="2400" dirty="0"/>
-              <a:t>URI</a:t>
-            </a:r>
-            <a:r>
-              <a:rPr kumimoji="1" lang="zh-CN" altLang="en-US" sz="2400" dirty="0"/>
-              <a:t>。要获取这个资源，访问它的</a:t>
-            </a:r>
-            <a:r>
-              <a:rPr kumimoji="1" lang="en-US" altLang="zh-CN" sz="2400" dirty="0"/>
-              <a:t>URI</a:t>
-            </a:r>
-            <a:r>
-              <a:rPr kumimoji="1" lang="zh-CN" altLang="en-US" sz="2400" dirty="0"/>
-              <a:t>就可以，因此</a:t>
-            </a:r>
-            <a:r>
-              <a:rPr kumimoji="1" lang="en-US" altLang="zh-CN" sz="2400" dirty="0"/>
-              <a:t>URI</a:t>
-            </a:r>
-            <a:r>
-              <a:rPr kumimoji="1" lang="zh-CN" altLang="en-US" sz="2400" dirty="0"/>
-              <a:t>就成了每一个资源的地址或独一无二的识别符</a:t>
+              <a:t>资源来自何方</a:t>
+            </a:r>
+            <a:endParaRPr kumimoji="1" lang="en-US" altLang="zh-CN" sz="2400" dirty="0" smtClean="0"/>
+          </a:p>
+          <a:p>
+            <a:r>
+              <a:rPr kumimoji="1" lang="en-US" altLang="zh-CN" sz="2400" dirty="0" smtClean="0"/>
+              <a:t>Web</a:t>
             </a:r>
             <a:r>
               <a:rPr kumimoji="1" lang="zh-CN" altLang="en-US" sz="2400" dirty="0" smtClean="0"/>
-              <a:t>。</a:t>
+              <a:t>事务是怎样工作的</a:t>
             </a:r>
             <a:endParaRPr kumimoji="1" lang="en-US" altLang="zh-CN" sz="2400" dirty="0" smtClean="0"/>
           </a:p>
           <a:p>
-            <a:pPr marL="0" indent="0">
-              <a:buNone/>
-            </a:pPr>
+            <a:r>
+              <a:rPr kumimoji="1" lang="en-US" altLang="zh-CN" sz="2400" dirty="0" smtClean="0"/>
+              <a:t>HTTP</a:t>
+            </a:r>
+            <a:r>
+              <a:rPr kumimoji="1" lang="zh-CN" altLang="en-US" sz="2400" dirty="0" smtClean="0"/>
+              <a:t>通信所使用的报文格式</a:t>
+            </a:r>
+            <a:endParaRPr kumimoji="1" lang="en-US" altLang="zh-CN" sz="2400" dirty="0" smtClean="0"/>
+          </a:p>
+          <a:p>
+            <a:r>
+              <a:rPr kumimoji="1" lang="en-US" altLang="zh-CN" sz="2400" dirty="0" smtClean="0"/>
+              <a:t>HTTP</a:t>
+            </a:r>
+            <a:r>
+              <a:rPr kumimoji="1" lang="zh-CN" altLang="en-US" sz="2400" dirty="0" smtClean="0"/>
+              <a:t>架构 之</a:t>
+            </a:r>
+            <a:r>
+              <a:rPr kumimoji="1" lang="en-US" altLang="zh-CN" sz="2400" dirty="0" smtClean="0"/>
+              <a:t>Restful</a:t>
+            </a:r>
+          </a:p>
+          <a:p>
             <a:endParaRPr kumimoji="1" lang="zh-CN" altLang="en-US" sz="2400" dirty="0"/>
           </a:p>
         </p:txBody>
       </p:sp>
       <p:pic>
         <p:nvPicPr>
-          <p:cNvPr id="7" name="图片 6"/>
+          <p:cNvPr id="4" name="图片 3"/>
           <p:cNvPicPr>
             <a:picLocks noChangeAspect="1"/>
           </p:cNvPicPr>
@@ -4420,8 +4813,236 @@
         </p:blipFill>
         <p:spPr>
           <a:xfrm>
-            <a:off x="1187584" y="3566342"/>
-            <a:ext cx="6927587" cy="3357638"/>
+            <a:off x="890690" y="4426701"/>
+            <a:ext cx="7224481" cy="2204486"/>
+          </a:xfrm>
+          <a:prstGeom prst="rect">
+            <a:avLst/>
+          </a:prstGeom>
+        </p:spPr>
+      </p:pic>
+    </p:spTree>
+    <p:extLst>
+      <p:ext uri="{BB962C8B-B14F-4D97-AF65-F5344CB8AC3E}">
+        <p14:creationId xmlns:p14="http://schemas.microsoft.com/office/powerpoint/2010/main" val="3278756604"/>
+      </p:ext>
+    </p:extLst>
+  </p:cSld>
+  <p:clrMapOvr>
+    <a:masterClrMapping/>
+  </p:clrMapOvr>
+  <p:timing>
+    <p:tnLst>
+      <p:par>
+        <p:cTn xmlns:p14="http://schemas.microsoft.com/office/powerpoint/2010/main" id="1" dur="indefinite" restart="never" nodeType="tmRoot"/>
+      </p:par>
+    </p:tnLst>
+  </p:timing>
+</p:sld>
+</file>
+
+<file path=ppt/slides/slide3.xml><?xml version="1.0" encoding="utf-8"?>
+<p:sld xmlns:a="http://schemas.openxmlformats.org/drawingml/2006/main" xmlns:r="http://schemas.openxmlformats.org/officeDocument/2006/relationships" xmlns:p="http://schemas.openxmlformats.org/presentationml/2006/main">
+  <p:cSld>
+    <p:spTree>
+      <p:nvGrpSpPr>
+        <p:cNvPr id="1" name=""/>
+        <p:cNvGrpSpPr/>
+        <p:nvPr/>
+      </p:nvGrpSpPr>
+      <p:grpSpPr>
+        <a:xfrm>
+          <a:off x="0" y="0"/>
+          <a:ext cx="0" cy="0"/>
+          <a:chOff x="0" y="0"/>
+          <a:chExt cx="0" cy="0"/>
+        </a:xfrm>
+      </p:grpSpPr>
+      <p:sp>
+        <p:nvSpPr>
+          <p:cNvPr id="2" name="标题 1"/>
+          <p:cNvSpPr>
+            <a:spLocks noGrp="1"/>
+          </p:cNvSpPr>
+          <p:nvPr>
+            <p:ph type="title"/>
+          </p:nvPr>
+        </p:nvSpPr>
+        <p:spPr/>
+        <p:txBody>
+          <a:bodyPr/>
+          <a:lstStyle/>
+          <a:p>
+            <a:r>
+              <a:rPr kumimoji="1" lang="zh-CN" altLang="en-US" dirty="0" smtClean="0"/>
+              <a:t>资源</a:t>
+            </a:r>
+            <a:endParaRPr kumimoji="1" lang="zh-CN" altLang="en-US" dirty="0"/>
+          </a:p>
+        </p:txBody>
+      </p:sp>
+      <p:sp>
+        <p:nvSpPr>
+          <p:cNvPr id="3" name="内容占位符 2"/>
+          <p:cNvSpPr>
+            <a:spLocks noGrp="1"/>
+          </p:cNvSpPr>
+          <p:nvPr>
+            <p:ph idx="1"/>
+          </p:nvPr>
+        </p:nvSpPr>
+        <p:spPr>
+          <a:xfrm>
+            <a:off x="457200" y="1417638"/>
+            <a:ext cx="8229600" cy="2887677"/>
+          </a:xfrm>
+        </p:spPr>
+        <p:txBody>
+          <a:bodyPr>
+            <a:normAutofit/>
+          </a:bodyPr>
+          <a:lstStyle/>
+          <a:p>
+            <a:pPr marL="0" indent="0">
+              <a:buNone/>
+            </a:pPr>
+            <a:r>
+              <a:rPr kumimoji="1" lang="zh-CN" altLang="en-US" sz="2400" dirty="0" smtClean="0"/>
+              <a:t>资源定义：</a:t>
+            </a:r>
+            <a:r>
+              <a:rPr kumimoji="1" lang="zh-CN" altLang="en-US" sz="2400" dirty="0"/>
+              <a:t>网络上的一个实体、一个具体信</a:t>
+            </a:r>
+            <a:r>
+              <a:rPr kumimoji="1" lang="zh-CN" altLang="en-US" sz="2400" dirty="0" smtClean="0"/>
+              <a:t>息</a:t>
+            </a:r>
+            <a:endParaRPr kumimoji="1" lang="en-US" altLang="zh-CN" sz="2400" dirty="0" smtClean="0"/>
+          </a:p>
+          <a:p>
+            <a:pPr marL="0" indent="0">
+              <a:buNone/>
+            </a:pPr>
+            <a:r>
+              <a:rPr kumimoji="1" lang="zh-CN" altLang="en-US" sz="2400" dirty="0" smtClean="0"/>
+              <a:t>资源类型：</a:t>
+            </a:r>
+            <a:r>
+              <a:rPr kumimoji="1" lang="en-US" altLang="zh-CN" sz="2400" dirty="0" smtClean="0"/>
+              <a:t>html</a:t>
+            </a:r>
+            <a:r>
+              <a:rPr kumimoji="1" lang="zh-CN" altLang="en-US" sz="2400" dirty="0" smtClean="0"/>
+              <a:t>、</a:t>
+            </a:r>
+            <a:r>
+              <a:rPr kumimoji="1" lang="en-US" altLang="zh-CN" sz="2400" dirty="0" smtClean="0"/>
+              <a:t>xml</a:t>
+            </a:r>
+            <a:r>
+              <a:rPr kumimoji="1" lang="zh-CN" altLang="en-US" sz="2400" dirty="0" smtClean="0"/>
+              <a:t>、</a:t>
+            </a:r>
+            <a:r>
+              <a:rPr kumimoji="1" lang="en-US" altLang="zh-CN" sz="2400" dirty="0" smtClean="0"/>
+              <a:t>JSON</a:t>
+            </a:r>
+            <a:r>
+              <a:rPr kumimoji="1" lang="zh-CN" altLang="en-US" sz="2400" dirty="0" smtClean="0"/>
+              <a:t>、图片、音频、视频</a:t>
+            </a:r>
+            <a:r>
+              <a:rPr kumimoji="1" lang="en-US" altLang="zh-CN" sz="2400" dirty="0" smtClean="0"/>
+              <a:t>…..</a:t>
+            </a:r>
+          </a:p>
+          <a:p>
+            <a:pPr marL="0" indent="0">
+              <a:buNone/>
+            </a:pPr>
+            <a:r>
+              <a:rPr kumimoji="1" lang="zh-CN" altLang="en-US" sz="2400" dirty="0" smtClean="0"/>
+              <a:t>资源定位</a:t>
+            </a:r>
+            <a:r>
+              <a:rPr kumimoji="1" lang="en-US" altLang="zh-CN" sz="2400" dirty="0" smtClean="0"/>
+              <a:t>URL</a:t>
+            </a:r>
+            <a:r>
+              <a:rPr kumimoji="1" lang="zh-CN" altLang="en-US" sz="2400" dirty="0" smtClean="0"/>
+              <a:t>：</a:t>
+            </a:r>
+            <a:r>
+              <a:rPr kumimoji="1" lang="en-US" altLang="zh-CN" sz="2400" dirty="0" err="1" smtClean="0"/>
+              <a:t>htpp</a:t>
+            </a:r>
+            <a:r>
+              <a:rPr kumimoji="1" lang="en-US" altLang="zh-CN" sz="2400" dirty="0" smtClean="0"/>
+              <a:t>://btrbi.800best.com:80/</a:t>
+            </a:r>
+            <a:r>
+              <a:rPr kumimoji="1" lang="en-US" altLang="zh-CN" sz="2400" dirty="0" err="1" smtClean="0"/>
+              <a:t>tss</a:t>
+            </a:r>
+            <a:r>
+              <a:rPr kumimoji="1" lang="en-US" altLang="zh-CN" sz="2400" dirty="0" smtClean="0"/>
+              <a:t>/data/</a:t>
+            </a:r>
+            <a:r>
+              <a:rPr kumimoji="1" lang="en-US" altLang="zh-CN" sz="2400" dirty="0" err="1" smtClean="0"/>
+              <a:t>json</a:t>
+            </a:r>
+            <a:r>
+              <a:rPr kumimoji="1" lang="en-US" altLang="zh-CN" sz="2400" dirty="0" smtClean="0"/>
+              <a:t>/101</a:t>
+            </a:r>
+          </a:p>
+          <a:p>
+            <a:pPr marL="0" indent="0">
+              <a:buNone/>
+            </a:pPr>
+            <a:r>
+              <a:rPr kumimoji="1" lang="zh-CN" altLang="en-US" sz="2400" dirty="0" smtClean="0"/>
+              <a:t>资源操作：增删改查</a:t>
+            </a:r>
+            <a:endParaRPr kumimoji="1" lang="en-US" altLang="zh-CN" sz="2400" dirty="0" smtClean="0"/>
+          </a:p>
+          <a:p>
+            <a:pPr marL="0" indent="0">
+              <a:buNone/>
+            </a:pPr>
+            <a:r>
+              <a:rPr kumimoji="1" lang="zh-CN" altLang="en-US" sz="2400" dirty="0" smtClean="0"/>
+              <a:t>资源权限策略：角色、操作、权限</a:t>
+            </a:r>
+            <a:endParaRPr kumimoji="1" lang="en-US" altLang="zh-CN" sz="2400" dirty="0" smtClean="0"/>
+          </a:p>
+          <a:p>
+            <a:pPr marL="0" indent="0">
+              <a:buNone/>
+            </a:pPr>
+            <a:endParaRPr kumimoji="1" lang="en-US" altLang="zh-CN" sz="2400" dirty="0" smtClean="0"/>
+          </a:p>
+        </p:txBody>
+      </p:sp>
+      <p:pic>
+        <p:nvPicPr>
+          <p:cNvPr id="7" name="图片 6"/>
+          <p:cNvPicPr>
+            <a:picLocks noChangeAspect="1"/>
+          </p:cNvPicPr>
+          <p:nvPr/>
+        </p:nvPicPr>
+        <p:blipFill rotWithShape="1">
+          <a:blip r:embed="rId3"/>
+          <a:srcRect l="3334" t="13657" r="3571" b="11176"/>
+          <a:stretch/>
+        </p:blipFill>
+        <p:spPr>
+          <a:xfrm>
+            <a:off x="1220577" y="3942425"/>
+            <a:ext cx="6449252" cy="2523810"/>
           </a:xfrm>
           <a:prstGeom prst="rect">
             <a:avLst/>
@@ -4448,7 +5069,7 @@
 </p:sld>
 </file>
 
-<file path=ppt/slides/slide3.xml><?xml version="1.0" encoding="utf-8"?>
+<file path=ppt/slides/slide4.xml><?xml version="1.0" encoding="utf-8"?>
 <p:sld xmlns:a="http://schemas.openxmlformats.org/drawingml/2006/main" xmlns:r="http://schemas.openxmlformats.org/officeDocument/2006/relationships" xmlns:p="http://schemas.openxmlformats.org/presentationml/2006/main">
   <p:cSld>
     <p:spTree>
@@ -4586,86 +5207,6 @@
 </p:sld>
 </file>
 
-<file path=ppt/slides/slide4.xml><?xml version="1.0" encoding="utf-8"?>
-<p:sld xmlns:a="http://schemas.openxmlformats.org/drawingml/2006/main" xmlns:r="http://schemas.openxmlformats.org/officeDocument/2006/relationships" xmlns:p="http://schemas.openxmlformats.org/presentationml/2006/main">
-  <p:cSld>
-    <p:spTree>
-      <p:nvGrpSpPr>
-        <p:cNvPr id="1" name=""/>
-        <p:cNvGrpSpPr/>
-        <p:nvPr/>
-      </p:nvGrpSpPr>
-      <p:grpSpPr>
-        <a:xfrm>
-          <a:off x="0" y="0"/>
-          <a:ext cx="0" cy="0"/>
-          <a:chOff x="0" y="0"/>
-          <a:chExt cx="0" cy="0"/>
-        </a:xfrm>
-      </p:grpSpPr>
-      <p:sp>
-        <p:nvSpPr>
-          <p:cNvPr id="2" name="标题 1"/>
-          <p:cNvSpPr>
-            <a:spLocks noGrp="1"/>
-          </p:cNvSpPr>
-          <p:nvPr>
-            <p:ph type="title"/>
-          </p:nvPr>
-        </p:nvSpPr>
-        <p:spPr/>
-        <p:txBody>
-          <a:bodyPr/>
-          <a:lstStyle/>
-          <a:p>
-            <a:r>
-              <a:rPr kumimoji="1" lang="zh-CN" altLang="en-US" dirty="0" smtClean="0"/>
-              <a:t>资源权限策略</a:t>
-            </a:r>
-            <a:r>
-              <a:rPr kumimoji="1" lang="en-US" altLang="zh-CN" dirty="0" smtClean="0"/>
-              <a:t>/</a:t>
-            </a:r>
-            <a:r>
-              <a:rPr kumimoji="1" lang="zh-CN" altLang="en-US" dirty="0" smtClean="0"/>
-              <a:t>过滤器</a:t>
-            </a:r>
-            <a:endParaRPr kumimoji="1" lang="zh-CN" altLang="en-US" dirty="0"/>
-          </a:p>
-        </p:txBody>
-      </p:sp>
-      <p:pic>
-        <p:nvPicPr>
-          <p:cNvPr id="4" name="内容占位符 3"/>
-          <p:cNvPicPr>
-            <a:picLocks noGrp="1" noChangeAspect="1"/>
-          </p:cNvPicPr>
-          <p:nvPr>
-            <p:ph idx="1"/>
-          </p:nvPr>
-        </p:nvPicPr>
-        <p:blipFill>
-          <a:blip r:embed="rId3"/>
-          <a:srcRect t="6724" b="6724"/>
-          <a:stretch>
-            <a:fillRect/>
-          </a:stretch>
-        </p:blipFill>
-        <p:spPr/>
-      </p:pic>
-    </p:spTree>
-    <p:extLst>
-      <p:ext uri="{BB962C8B-B14F-4D97-AF65-F5344CB8AC3E}">
-        <p14:creationId xmlns:p14="http://schemas.microsoft.com/office/powerpoint/2010/main" val="3671721209"/>
-      </p:ext>
-    </p:extLst>
-  </p:cSld>
-  <p:clrMapOvr>
-    <a:masterClrMapping/>
-  </p:clrMapOvr>
-</p:sld>
-</file>
-
 <file path=ppt/slides/slide5.xml><?xml version="1.0" encoding="utf-8"?>
 <p:sld xmlns:a="http://schemas.openxmlformats.org/drawingml/2006/main" xmlns:r="http://schemas.openxmlformats.org/officeDocument/2006/relationships" xmlns:p="http://schemas.openxmlformats.org/presentationml/2006/main">
   <p:cSld>
@@ -4699,82 +5240,44 @@
           <a:lstStyle/>
           <a:p>
             <a:r>
+              <a:rPr kumimoji="1" lang="zh-CN" altLang="en-US" dirty="0" smtClean="0"/>
+              <a:t>资源权限策略</a:t>
+            </a:r>
+            <a:r>
               <a:rPr kumimoji="1" lang="en-US" altLang="zh-CN" dirty="0" smtClean="0"/>
-              <a:t>Restful</a:t>
-            </a:r>
-            <a:r>
-              <a:rPr kumimoji="1" lang="zh-CN" altLang="en-US" dirty="0" smtClean="0"/>
-              <a:t>作用</a:t>
+              <a:t>/</a:t>
+            </a:r>
+            <a:r>
+              <a:rPr kumimoji="1" lang="zh-CN" altLang="en-US" dirty="0" smtClean="0"/>
+              <a:t>过滤器</a:t>
             </a:r>
             <a:endParaRPr kumimoji="1" lang="zh-CN" altLang="en-US" dirty="0"/>
           </a:p>
         </p:txBody>
       </p:sp>
-      <p:sp>
-        <p:nvSpPr>
-          <p:cNvPr id="3" name="内容占位符 2"/>
-          <p:cNvSpPr>
-            <a:spLocks noGrp="1"/>
-          </p:cNvSpPr>
+      <p:pic>
+        <p:nvPicPr>
+          <p:cNvPr id="4" name="内容占位符 3"/>
+          <p:cNvPicPr>
+            <a:picLocks noGrp="1" noChangeAspect="1"/>
+          </p:cNvPicPr>
           <p:nvPr>
             <p:ph idx="1"/>
           </p:nvPr>
-        </p:nvSpPr>
-        <p:spPr/>
-        <p:txBody>
-          <a:bodyPr/>
-          <a:lstStyle/>
-          <a:p>
-            <a:r>
-              <a:rPr kumimoji="1" lang="zh-CN" altLang="en-US" dirty="0"/>
-              <a:t>使得各种资源有了自己相应的</a:t>
-            </a:r>
-            <a:r>
-              <a:rPr kumimoji="1" lang="en-US" altLang="zh-CN" dirty="0" smtClean="0"/>
-              <a:t>URI</a:t>
-            </a:r>
-          </a:p>
-          <a:p>
-            <a:r>
-              <a:rPr kumimoji="1" lang="zh-CN" altLang="en-US" dirty="0"/>
-              <a:t>对各种资源进行</a:t>
-            </a:r>
-            <a:r>
-              <a:rPr kumimoji="1" lang="en-US" altLang="zh-CN" dirty="0"/>
-              <a:t>crud</a:t>
-            </a:r>
-            <a:r>
-              <a:rPr kumimoji="1" lang="zh-CN" altLang="en-US" dirty="0"/>
-              <a:t>操作</a:t>
-            </a:r>
-            <a:r>
-              <a:rPr kumimoji="1" lang="en-US" altLang="zh-CN" dirty="0"/>
-              <a:t>, </a:t>
-            </a:r>
-            <a:r>
-              <a:rPr kumimoji="1" lang="zh-CN" altLang="en-US" dirty="0"/>
-              <a:t>使得应用程序的接口更加的统一</a:t>
-            </a:r>
-            <a:r>
-              <a:rPr kumimoji="1" lang="en-US" altLang="zh-CN" dirty="0"/>
-              <a:t>, </a:t>
-            </a:r>
-            <a:r>
-              <a:rPr kumimoji="1" lang="zh-CN" altLang="en-US" dirty="0"/>
-              <a:t>语义更加明确</a:t>
-            </a:r>
-            <a:r>
-              <a:rPr kumimoji="1" lang="en-US" altLang="zh-CN" dirty="0"/>
-              <a:t>.</a:t>
-            </a:r>
-            <a:endParaRPr kumimoji="1" lang="zh-CN" altLang="en-US" dirty="0"/>
-          </a:p>
-        </p:txBody>
-      </p:sp>
+        </p:nvPicPr>
+        <p:blipFill>
+          <a:blip r:embed="rId3"/>
+          <a:srcRect t="6724" b="6724"/>
+          <a:stretch>
+            <a:fillRect/>
+          </a:stretch>
+        </p:blipFill>
+        <p:spPr/>
+      </p:pic>
     </p:spTree>
     <p:extLst>
       <p:ext uri="{BB962C8B-B14F-4D97-AF65-F5344CB8AC3E}">
-        <p14:creationId xmlns:p14="http://schemas.microsoft.com/office/powerpoint/2010/main" val="4081023584"/>
+        <p14:creationId xmlns:p14="http://schemas.microsoft.com/office/powerpoint/2010/main" val="3671721209"/>
       </p:ext>
     </p:extLst>
   </p:cSld>
@@ -4824,6 +5327,391 @@
           <a:lstStyle/>
           <a:p>
             <a:r>
+              <a:rPr kumimoji="1" lang="en-US" altLang="zh-CN" dirty="0" smtClean="0"/>
+              <a:t>HTTP </a:t>
+            </a:r>
+            <a:r>
+              <a:rPr kumimoji="1" lang="zh-CN" altLang="en-US" dirty="0" smtClean="0"/>
+              <a:t>事务</a:t>
+            </a:r>
+            <a:endParaRPr kumimoji="1" lang="zh-CN" altLang="en-US" dirty="0"/>
+          </a:p>
+        </p:txBody>
+      </p:sp>
+      <p:sp>
+        <p:nvSpPr>
+          <p:cNvPr id="3" name="内容占位符 2"/>
+          <p:cNvSpPr>
+            <a:spLocks noGrp="1"/>
+          </p:cNvSpPr>
+          <p:nvPr>
+            <p:ph idx="1"/>
+          </p:nvPr>
+        </p:nvSpPr>
+        <p:spPr/>
+        <p:txBody>
+          <a:bodyPr/>
+          <a:lstStyle/>
+          <a:p>
+            <a:r>
+              <a:rPr kumimoji="1" lang="zh-CN" altLang="en-US" dirty="0" smtClean="0"/>
+              <a:t>方法：</a:t>
+            </a:r>
+            <a:r>
+              <a:rPr kumimoji="1" lang="en-US" altLang="zh-CN" dirty="0" smtClean="0"/>
+              <a:t>GET</a:t>
+            </a:r>
+            <a:r>
+              <a:rPr kumimoji="1" lang="zh-CN" altLang="en-US" dirty="0" smtClean="0"/>
+              <a:t>、</a:t>
+            </a:r>
+            <a:r>
+              <a:rPr kumimoji="1" lang="en-US" altLang="zh-CN" dirty="0" smtClean="0"/>
+              <a:t>POST</a:t>
+            </a:r>
+            <a:r>
+              <a:rPr kumimoji="1" lang="zh-CN" altLang="en-US" dirty="0" smtClean="0"/>
+              <a:t>、</a:t>
+            </a:r>
+            <a:r>
+              <a:rPr kumimoji="1" lang="en-US" altLang="zh-CN" dirty="0" smtClean="0"/>
+              <a:t>PUT</a:t>
+            </a:r>
+            <a:r>
+              <a:rPr kumimoji="1" lang="zh-CN" altLang="en-US" dirty="0" smtClean="0"/>
+              <a:t>、</a:t>
+            </a:r>
+            <a:r>
+              <a:rPr kumimoji="1" lang="en-US" altLang="zh-CN" dirty="0" smtClean="0"/>
+              <a:t>DELETE</a:t>
+            </a:r>
+          </a:p>
+          <a:p>
+            <a:r>
+              <a:rPr kumimoji="1" lang="zh-CN" altLang="en-US" dirty="0" smtClean="0"/>
+              <a:t>状态码：</a:t>
+            </a:r>
+            <a:r>
+              <a:rPr kumimoji="1" lang="en-US" altLang="zh-CN" dirty="0" smtClean="0"/>
+              <a:t>200</a:t>
+            </a:r>
+            <a:r>
+              <a:rPr kumimoji="1" lang="zh-CN" altLang="en-US" dirty="0" smtClean="0"/>
+              <a:t>、</a:t>
+            </a:r>
+            <a:r>
+              <a:rPr kumimoji="1" lang="en-US" altLang="zh-CN" dirty="0" smtClean="0"/>
+              <a:t>302</a:t>
+            </a:r>
+            <a:r>
+              <a:rPr kumimoji="1" lang="zh-CN" altLang="en-US" dirty="0" smtClean="0"/>
+              <a:t>、</a:t>
+            </a:r>
+            <a:r>
+              <a:rPr kumimoji="1" lang="en-US" altLang="zh-CN" dirty="0" smtClean="0"/>
+              <a:t>404</a:t>
+            </a:r>
+            <a:r>
+              <a:rPr kumimoji="1" lang="zh-CN" altLang="en-US" dirty="0" smtClean="0"/>
+              <a:t>、</a:t>
+            </a:r>
+            <a:r>
+              <a:rPr kumimoji="1" lang="en-US" altLang="zh-CN" dirty="0" smtClean="0"/>
+              <a:t>503</a:t>
+            </a:r>
+          </a:p>
+          <a:p>
+            <a:r>
+              <a:rPr kumimoji="1" lang="zh-CN" altLang="en-US" dirty="0"/>
+              <a:t>事务请求</a:t>
+            </a:r>
+            <a:r>
+              <a:rPr kumimoji="1" lang="en-US" altLang="zh-CN" dirty="0" smtClean="0"/>
+              <a:t>Request</a:t>
+            </a:r>
+            <a:endParaRPr kumimoji="1" lang="en-US" altLang="zh-CN" dirty="0"/>
+          </a:p>
+          <a:p>
+            <a:r>
+              <a:rPr kumimoji="1" lang="zh-CN" altLang="en-US" dirty="0"/>
+              <a:t>事务响应</a:t>
+            </a:r>
+            <a:r>
+              <a:rPr kumimoji="1" lang="en-US" altLang="zh-CN" dirty="0"/>
+              <a:t>Response</a:t>
+            </a:r>
+          </a:p>
+          <a:p>
+            <a:endParaRPr kumimoji="1" lang="en-US" altLang="zh-CN" dirty="0" smtClean="0"/>
+          </a:p>
+          <a:p>
+            <a:endParaRPr kumimoji="1" lang="zh-CN" altLang="en-US" dirty="0"/>
+          </a:p>
+        </p:txBody>
+      </p:sp>
+      <p:pic>
+        <p:nvPicPr>
+          <p:cNvPr id="4" name="图片 3"/>
+          <p:cNvPicPr>
+            <a:picLocks noChangeAspect="1"/>
+          </p:cNvPicPr>
+          <p:nvPr/>
+        </p:nvPicPr>
+        <p:blipFill>
+          <a:blip r:embed="rId2"/>
+          <a:stretch>
+            <a:fillRect/>
+          </a:stretch>
+        </p:blipFill>
+        <p:spPr>
+          <a:xfrm>
+            <a:off x="827704" y="4088384"/>
+            <a:ext cx="7106029" cy="2457961"/>
+          </a:xfrm>
+          <a:prstGeom prst="rect">
+            <a:avLst/>
+          </a:prstGeom>
+        </p:spPr>
+      </p:pic>
+    </p:spTree>
+    <p:extLst>
+      <p:ext uri="{BB962C8B-B14F-4D97-AF65-F5344CB8AC3E}">
+        <p14:creationId xmlns:p14="http://schemas.microsoft.com/office/powerpoint/2010/main" val="2142442943"/>
+      </p:ext>
+    </p:extLst>
+  </p:cSld>
+  <p:clrMapOvr>
+    <a:masterClrMapping/>
+  </p:clrMapOvr>
+  <p:timing>
+    <p:tnLst>
+      <p:par>
+        <p:cTn xmlns:p14="http://schemas.microsoft.com/office/powerpoint/2010/main" id="1" dur="indefinite" restart="never" nodeType="tmRoot"/>
+      </p:par>
+    </p:tnLst>
+  </p:timing>
+</p:sld>
+</file>
+
+<file path=ppt/slides/slide7.xml><?xml version="1.0" encoding="utf-8"?>
+<p:sld xmlns:a="http://schemas.openxmlformats.org/drawingml/2006/main" xmlns:r="http://schemas.openxmlformats.org/officeDocument/2006/relationships" xmlns:p="http://schemas.openxmlformats.org/presentationml/2006/main">
+  <p:cSld>
+    <p:spTree>
+      <p:nvGrpSpPr>
+        <p:cNvPr id="1" name=""/>
+        <p:cNvGrpSpPr/>
+        <p:nvPr/>
+      </p:nvGrpSpPr>
+      <p:grpSpPr>
+        <a:xfrm>
+          <a:off x="0" y="0"/>
+          <a:ext cx="0" cy="0"/>
+          <a:chOff x="0" y="0"/>
+          <a:chExt cx="0" cy="0"/>
+        </a:xfrm>
+      </p:grpSpPr>
+      <p:sp>
+        <p:nvSpPr>
+          <p:cNvPr id="2" name="标题 1"/>
+          <p:cNvSpPr>
+            <a:spLocks noGrp="1"/>
+          </p:cNvSpPr>
+          <p:nvPr>
+            <p:ph type="title"/>
+          </p:nvPr>
+        </p:nvSpPr>
+        <p:spPr/>
+        <p:txBody>
+          <a:bodyPr/>
+          <a:lstStyle/>
+          <a:p>
+            <a:r>
+              <a:rPr kumimoji="1" lang="zh-CN" altLang="en-US" dirty="0" smtClean="0"/>
+              <a:t>什么是</a:t>
+            </a:r>
+            <a:r>
+              <a:rPr kumimoji="1" lang="en-US" altLang="zh-CN" dirty="0" smtClean="0"/>
+              <a:t>Restful</a:t>
+            </a:r>
+            <a:endParaRPr kumimoji="1" lang="zh-CN" altLang="en-US" dirty="0"/>
+          </a:p>
+        </p:txBody>
+      </p:sp>
+      <p:sp>
+        <p:nvSpPr>
+          <p:cNvPr id="3" name="内容占位符 2"/>
+          <p:cNvSpPr>
+            <a:spLocks noGrp="1"/>
+          </p:cNvSpPr>
+          <p:nvPr>
+            <p:ph idx="1"/>
+          </p:nvPr>
+        </p:nvSpPr>
+        <p:spPr/>
+        <p:txBody>
+          <a:bodyPr>
+            <a:normAutofit fontScale="92500"/>
+          </a:bodyPr>
+          <a:lstStyle/>
+          <a:p>
+            <a:r>
+              <a:rPr kumimoji="1" lang="zh-CN" altLang="en-US" dirty="0" smtClean="0"/>
+              <a:t>一种软件架构风格</a:t>
+            </a:r>
+            <a:r>
+              <a:rPr kumimoji="1" lang="zh-CN" altLang="en-US" dirty="0"/>
+              <a:t>、</a:t>
+            </a:r>
+            <a:r>
+              <a:rPr kumimoji="1" lang="zh-CN" altLang="en-US" dirty="0" smtClean="0"/>
+              <a:t>而不是标准，基于这个风格设计</a:t>
+            </a:r>
+            <a:r>
+              <a:rPr kumimoji="1" lang="zh-CN" altLang="en-US" dirty="0"/>
+              <a:t>的软件可以更简洁，更有层次，更易于实现缓存等</a:t>
+            </a:r>
+            <a:r>
+              <a:rPr kumimoji="1" lang="zh-CN" altLang="en-US" dirty="0" smtClean="0"/>
+              <a:t>机制</a:t>
+            </a:r>
+            <a:endParaRPr kumimoji="1" lang="en-US" altLang="zh-CN" dirty="0" smtClean="0"/>
+          </a:p>
+          <a:p>
+            <a:r>
+              <a:rPr kumimoji="1" lang="zh-CN" altLang="en-US" dirty="0" smtClean="0"/>
+              <a:t>对各种资源进行</a:t>
+            </a:r>
+            <a:r>
+              <a:rPr kumimoji="1" lang="en-US" altLang="zh-CN" dirty="0" smtClean="0"/>
+              <a:t>CRUD</a:t>
+            </a:r>
+            <a:r>
+              <a:rPr kumimoji="1" lang="zh-CN" altLang="en-US" dirty="0" smtClean="0"/>
+              <a:t>操作</a:t>
+            </a:r>
+            <a:r>
+              <a:rPr kumimoji="1" lang="en-US" altLang="zh-CN" dirty="0"/>
+              <a:t>, </a:t>
+            </a:r>
+            <a:r>
+              <a:rPr kumimoji="1" lang="zh-CN" altLang="en-US" dirty="0"/>
+              <a:t>使得应用程序的接口更加的统一</a:t>
+            </a:r>
+            <a:r>
+              <a:rPr kumimoji="1" lang="en-US" altLang="zh-CN" dirty="0"/>
+              <a:t>, </a:t>
+            </a:r>
+            <a:r>
+              <a:rPr kumimoji="1" lang="zh-CN" altLang="en-US" dirty="0"/>
+              <a:t>语义更</a:t>
+            </a:r>
+            <a:r>
+              <a:rPr kumimoji="1" lang="zh-CN" altLang="en-US" dirty="0" smtClean="0"/>
+              <a:t>加明确</a:t>
+            </a:r>
+            <a:endParaRPr kumimoji="1" lang="en-US" altLang="zh-CN" dirty="0" smtClean="0"/>
+          </a:p>
+          <a:p>
+            <a:r>
+              <a:rPr kumimoji="1" lang="zh-CN" altLang="en-US" dirty="0"/>
+              <a:t>开发人员可以轻松使用 </a:t>
+            </a:r>
+            <a:r>
+              <a:rPr kumimoji="1" lang="en-US" altLang="zh-CN" dirty="0"/>
+              <a:t>Ajax </a:t>
+            </a:r>
+            <a:r>
+              <a:rPr kumimoji="1" lang="zh-CN" altLang="en-US" dirty="0"/>
+              <a:t>和 </a:t>
+            </a:r>
+            <a:r>
+              <a:rPr kumimoji="1" lang="en-US" altLang="zh-CN" dirty="0" err="1"/>
+              <a:t>RESTful</a:t>
+            </a:r>
+            <a:r>
+              <a:rPr kumimoji="1" lang="en-US" altLang="zh-CN" dirty="0"/>
+              <a:t> Web </a:t>
+            </a:r>
+            <a:r>
+              <a:rPr kumimoji="1" lang="zh-CN" altLang="en-US" dirty="0"/>
+              <a:t>服务一起创建丰富的</a:t>
+            </a:r>
+            <a:r>
+              <a:rPr kumimoji="1" lang="zh-CN" altLang="en-US" dirty="0" smtClean="0"/>
+              <a:t>界面</a:t>
+            </a:r>
+            <a:endParaRPr kumimoji="1" lang="en-US" altLang="zh-CN" dirty="0" smtClean="0"/>
+          </a:p>
+          <a:p>
+            <a:r>
+              <a:rPr kumimoji="1" lang="en-US" altLang="zh-CN" dirty="0"/>
+              <a:t>REST </a:t>
+            </a:r>
+            <a:r>
+              <a:rPr kumimoji="1" lang="zh-CN" altLang="en-US" dirty="0"/>
+              <a:t>约束条件作为一个整体应用时，将生成一个简单、可扩展、有效、安全、可靠</a:t>
+            </a:r>
+            <a:r>
+              <a:rPr kumimoji="1" lang="zh-CN" altLang="en-US" dirty="0" smtClean="0"/>
+              <a:t>的架构</a:t>
+            </a:r>
+            <a:endParaRPr kumimoji="1" lang="zh-CN" altLang="en-US" dirty="0"/>
+          </a:p>
+        </p:txBody>
+      </p:sp>
+    </p:spTree>
+    <p:extLst>
+      <p:ext uri="{BB962C8B-B14F-4D97-AF65-F5344CB8AC3E}">
+        <p14:creationId xmlns:p14="http://schemas.microsoft.com/office/powerpoint/2010/main" val="4081023584"/>
+      </p:ext>
+    </p:extLst>
+  </p:cSld>
+  <p:clrMapOvr>
+    <a:masterClrMapping/>
+  </p:clrMapOvr>
+  <p:timing>
+    <p:tnLst>
+      <p:par>
+        <p:cTn xmlns:p14="http://schemas.microsoft.com/office/powerpoint/2010/main" id="1" dur="indefinite" restart="never" nodeType="tmRoot"/>
+      </p:par>
+    </p:tnLst>
+  </p:timing>
+</p:sld>
+</file>
+
+<file path=ppt/slides/slide8.xml><?xml version="1.0" encoding="utf-8"?>
+<p:sld xmlns:a="http://schemas.openxmlformats.org/drawingml/2006/main" xmlns:r="http://schemas.openxmlformats.org/officeDocument/2006/relationships" xmlns:p="http://schemas.openxmlformats.org/presentationml/2006/main">
+  <p:cSld>
+    <p:spTree>
+      <p:nvGrpSpPr>
+        <p:cNvPr id="1" name=""/>
+        <p:cNvGrpSpPr/>
+        <p:nvPr/>
+      </p:nvGrpSpPr>
+      <p:grpSpPr>
+        <a:xfrm>
+          <a:off x="0" y="0"/>
+          <a:ext cx="0" cy="0"/>
+          <a:chOff x="0" y="0"/>
+          <a:chExt cx="0" cy="0"/>
+        </a:xfrm>
+      </p:grpSpPr>
+      <p:sp>
+        <p:nvSpPr>
+          <p:cNvPr id="2" name="标题 1"/>
+          <p:cNvSpPr>
+            <a:spLocks noGrp="1"/>
+          </p:cNvSpPr>
+          <p:nvPr>
+            <p:ph type="title"/>
+          </p:nvPr>
+        </p:nvSpPr>
+        <p:spPr/>
+        <p:txBody>
+          <a:bodyPr/>
+          <a:lstStyle/>
+          <a:p>
+            <a:r>
               <a:rPr kumimoji="1" lang="en-US" altLang="zh-CN" dirty="0" err="1" smtClean="0"/>
               <a:t>RESTful</a:t>
             </a:r>
@@ -4934,7 +5822,6 @@
               <a:rPr kumimoji="1" lang="zh-CN" altLang="en-US" dirty="0"/>
               <a:t>本身</a:t>
             </a:r>
-            <a:endParaRPr kumimoji="1" lang="zh-CN" altLang="en-US" dirty="0"/>
           </a:p>
         </p:txBody>
       </p:sp>
